--- a/dfr_metadata/book_chapter/fig/fat2.pptx
+++ b/dfr_metadata/book_chapter/fig/fat2.pptx
@@ -259,7 +259,7 @@
           <a:p>
             <a:fld id="{CFC90A4D-0449-FE4F-8963-89C122A9FB4A}" type="datetimeFigureOut">
               <a:rPr lang="en-US" smtClean="0"/>
-              <a:t>2/27/21</a:t>
+              <a:t>2/28/21</a:t>
             </a:fld>
             <a:endParaRPr lang="en-US"/>
           </a:p>
@@ -457,7 +457,7 @@
           <a:p>
             <a:fld id="{CFC90A4D-0449-FE4F-8963-89C122A9FB4A}" type="datetimeFigureOut">
               <a:rPr lang="en-US" smtClean="0"/>
-              <a:t>2/27/21</a:t>
+              <a:t>2/28/21</a:t>
             </a:fld>
             <a:endParaRPr lang="en-US"/>
           </a:p>
@@ -665,7 +665,7 @@
           <a:p>
             <a:fld id="{CFC90A4D-0449-FE4F-8963-89C122A9FB4A}" type="datetimeFigureOut">
               <a:rPr lang="en-US" smtClean="0"/>
-              <a:t>2/27/21</a:t>
+              <a:t>2/28/21</a:t>
             </a:fld>
             <a:endParaRPr lang="en-US"/>
           </a:p>
@@ -863,7 +863,7 @@
           <a:p>
             <a:fld id="{CFC90A4D-0449-FE4F-8963-89C122A9FB4A}" type="datetimeFigureOut">
               <a:rPr lang="en-US" smtClean="0"/>
-              <a:t>2/27/21</a:t>
+              <a:t>2/28/21</a:t>
             </a:fld>
             <a:endParaRPr lang="en-US"/>
           </a:p>
@@ -1138,7 +1138,7 @@
           <a:p>
             <a:fld id="{CFC90A4D-0449-FE4F-8963-89C122A9FB4A}" type="datetimeFigureOut">
               <a:rPr lang="en-US" smtClean="0"/>
-              <a:t>2/27/21</a:t>
+              <a:t>2/28/21</a:t>
             </a:fld>
             <a:endParaRPr lang="en-US"/>
           </a:p>
@@ -1403,7 +1403,7 @@
           <a:p>
             <a:fld id="{CFC90A4D-0449-FE4F-8963-89C122A9FB4A}" type="datetimeFigureOut">
               <a:rPr lang="en-US" smtClean="0"/>
-              <a:t>2/27/21</a:t>
+              <a:t>2/28/21</a:t>
             </a:fld>
             <a:endParaRPr lang="en-US"/>
           </a:p>
@@ -1815,7 +1815,7 @@
           <a:p>
             <a:fld id="{CFC90A4D-0449-FE4F-8963-89C122A9FB4A}" type="datetimeFigureOut">
               <a:rPr lang="en-US" smtClean="0"/>
-              <a:t>2/27/21</a:t>
+              <a:t>2/28/21</a:t>
             </a:fld>
             <a:endParaRPr lang="en-US"/>
           </a:p>
@@ -1956,7 +1956,7 @@
           <a:p>
             <a:fld id="{CFC90A4D-0449-FE4F-8963-89C122A9FB4A}" type="datetimeFigureOut">
               <a:rPr lang="en-US" smtClean="0"/>
-              <a:t>2/27/21</a:t>
+              <a:t>2/28/21</a:t>
             </a:fld>
             <a:endParaRPr lang="en-US"/>
           </a:p>
@@ -2069,7 +2069,7 @@
           <a:p>
             <a:fld id="{CFC90A4D-0449-FE4F-8963-89C122A9FB4A}" type="datetimeFigureOut">
               <a:rPr lang="en-US" smtClean="0"/>
-              <a:t>2/27/21</a:t>
+              <a:t>2/28/21</a:t>
             </a:fld>
             <a:endParaRPr lang="en-US"/>
           </a:p>
@@ -2380,7 +2380,7 @@
           <a:p>
             <a:fld id="{CFC90A4D-0449-FE4F-8963-89C122A9FB4A}" type="datetimeFigureOut">
               <a:rPr lang="en-US" smtClean="0"/>
-              <a:t>2/27/21</a:t>
+              <a:t>2/28/21</a:t>
             </a:fld>
             <a:endParaRPr lang="en-US"/>
           </a:p>
@@ -2668,7 +2668,7 @@
           <a:p>
             <a:fld id="{CFC90A4D-0449-FE4F-8963-89C122A9FB4A}" type="datetimeFigureOut">
               <a:rPr lang="en-US" smtClean="0"/>
-              <a:t>2/27/21</a:t>
+              <a:t>2/28/21</a:t>
             </a:fld>
             <a:endParaRPr lang="en-US"/>
           </a:p>
@@ -2909,7 +2909,7 @@
           <a:p>
             <a:fld id="{CFC90A4D-0449-FE4F-8963-89C122A9FB4A}" type="datetimeFigureOut">
               <a:rPr lang="en-US" smtClean="0"/>
-              <a:t>2/27/21</a:t>
+              <a:t>2/28/21</a:t>
             </a:fld>
             <a:endParaRPr lang="en-US"/>
           </a:p>
@@ -3506,7 +3506,7 @@
         </p:nvCxnSpPr>
         <p:spPr>
           <a:xfrm>
-            <a:off x="8563659" y="2225475"/>
+            <a:off x="8587552" y="2375544"/>
             <a:ext cx="887775" cy="0"/>
           </a:xfrm>
           <a:prstGeom prst="line">
@@ -3542,7 +3542,7 @@
         </p:nvCxnSpPr>
         <p:spPr>
           <a:xfrm>
-            <a:off x="8563658" y="2679217"/>
+            <a:off x="8563657" y="2833248"/>
             <a:ext cx="887775" cy="0"/>
           </a:xfrm>
           <a:prstGeom prst="line">
@@ -3578,7 +3578,7 @@
         </p:nvCxnSpPr>
         <p:spPr>
           <a:xfrm>
-            <a:off x="8563658" y="3072273"/>
+            <a:off x="8550094" y="3250188"/>
             <a:ext cx="887775" cy="0"/>
           </a:xfrm>
           <a:prstGeom prst="line">
@@ -3722,8 +3722,8 @@
         </p:nvSpPr>
         <p:spPr>
           <a:xfrm rot="5400000">
-            <a:off x="8732786" y="1629552"/>
-            <a:ext cx="595339" cy="369332"/>
+            <a:off x="8593647" y="1792257"/>
+            <a:ext cx="920750" cy="369332"/>
           </a:xfrm>
           <a:prstGeom prst="rect">
             <a:avLst/>
@@ -3738,17 +3738,17 @@
           <a:p>
             <a:r>
               <a:rPr lang="en-US" dirty="0"/>
-              <a:t>.......</a:t>
-            </a:r>
-          </a:p>
-        </p:txBody>
-      </p:sp>
-      <p:sp>
-        <p:nvSpPr>
-          <p:cNvPr id="18" name="TextBox 17">
-            <a:extLst>
-              <a:ext uri="{FF2B5EF4-FFF2-40B4-BE49-F238E27FC236}">
-                <a16:creationId xmlns:a16="http://schemas.microsoft.com/office/drawing/2014/main" id="{095ABF5E-3C6F-AB49-A4A7-1C832A5A860C}"/>
+              <a:t>............</a:t>
+            </a:r>
+          </a:p>
+        </p:txBody>
+      </p:sp>
+      <p:sp>
+        <p:nvSpPr>
+          <p:cNvPr id="19" name="TextBox 18">
+            <a:extLst>
+              <a:ext uri="{FF2B5EF4-FFF2-40B4-BE49-F238E27FC236}">
+                <a16:creationId xmlns:a16="http://schemas.microsoft.com/office/drawing/2014/main" id="{BC215E17-93D7-2444-8073-61E44D7636B1}"/>
               </a:ext>
             </a:extLst>
           </p:cNvPr>
@@ -3757,8 +3757,8 @@
         </p:nvSpPr>
         <p:spPr>
           <a:xfrm rot="5400000">
-            <a:off x="8686565" y="3262449"/>
-            <a:ext cx="646331" cy="369332"/>
+            <a:off x="8571149" y="4888159"/>
+            <a:ext cx="877163" cy="369332"/>
           </a:xfrm>
           <a:prstGeom prst="rect">
             <a:avLst/>
@@ -3773,17 +3773,17 @@
           <a:p>
             <a:r>
               <a:rPr lang="en-US" dirty="0"/>
-              <a:t>........</a:t>
-            </a:r>
-          </a:p>
-        </p:txBody>
-      </p:sp>
-      <p:sp>
-        <p:nvSpPr>
-          <p:cNvPr id="19" name="TextBox 18">
-            <a:extLst>
-              <a:ext uri="{FF2B5EF4-FFF2-40B4-BE49-F238E27FC236}">
-                <a16:creationId xmlns:a16="http://schemas.microsoft.com/office/drawing/2014/main" id="{BC215E17-93D7-2444-8073-61E44D7636B1}"/>
+              <a:t>............</a:t>
+            </a:r>
+          </a:p>
+        </p:txBody>
+      </p:sp>
+      <p:sp>
+        <p:nvSpPr>
+          <p:cNvPr id="20" name="TextBox 19">
+            <a:extLst>
+              <a:ext uri="{FF2B5EF4-FFF2-40B4-BE49-F238E27FC236}">
+                <a16:creationId xmlns:a16="http://schemas.microsoft.com/office/drawing/2014/main" id="{6FC5C509-C227-DA4E-9B4A-B155714F68D2}"/>
               </a:ext>
             </a:extLst>
           </p:cNvPr>
@@ -3791,9 +3791,9 @@
           <p:nvPr/>
         </p:nvSpPr>
         <p:spPr>
-          <a:xfrm rot="5400000">
-            <a:off x="8571149" y="4888159"/>
-            <a:ext cx="877163" cy="369332"/>
+          <a:xfrm>
+            <a:off x="3280226" y="4342879"/>
+            <a:ext cx="814390" cy="646331"/>
           </a:xfrm>
           <a:prstGeom prst="rect">
             <a:avLst/>
@@ -3801,24 +3801,30 @@
           <a:noFill/>
         </p:spPr>
         <p:txBody>
-          <a:bodyPr wrap="none" rtlCol="0">
+          <a:bodyPr wrap="square" rtlCol="0">
             <a:spAutoFit/>
           </a:bodyPr>
           <a:lstStyle/>
           <a:p>
             <a:r>
               <a:rPr lang="en-US" dirty="0"/>
-              <a:t>............</a:t>
-            </a:r>
-          </a:p>
-        </p:txBody>
-      </p:sp>
-      <p:sp>
-        <p:nvSpPr>
-          <p:cNvPr id="20" name="TextBox 19">
-            <a:extLst>
-              <a:ext uri="{FF2B5EF4-FFF2-40B4-BE49-F238E27FC236}">
-                <a16:creationId xmlns:a16="http://schemas.microsoft.com/office/drawing/2014/main" id="{6FC5C509-C227-DA4E-9B4A-B155714F68D2}"/>
+              <a:t>cluster</a:t>
+            </a:r>
+          </a:p>
+          <a:p>
+            <a:r>
+              <a:rPr lang="en-US" dirty="0"/>
+              <a:t>  200</a:t>
+            </a:r>
+          </a:p>
+        </p:txBody>
+      </p:sp>
+      <p:sp>
+        <p:nvSpPr>
+          <p:cNvPr id="21" name="TextBox 20">
+            <a:extLst>
+              <a:ext uri="{FF2B5EF4-FFF2-40B4-BE49-F238E27FC236}">
+                <a16:creationId xmlns:a16="http://schemas.microsoft.com/office/drawing/2014/main" id="{83F928A2-CA7C-0848-B00C-7AF2994BBA67}"/>
               </a:ext>
             </a:extLst>
           </p:cNvPr>
@@ -3827,7 +3833,7 @@
         </p:nvSpPr>
         <p:spPr>
           <a:xfrm>
-            <a:off x="4411791" y="4321816"/>
+            <a:off x="7175232" y="4303787"/>
             <a:ext cx="814390" cy="646331"/>
           </a:xfrm>
           <a:prstGeom prst="rect">
@@ -3849,48 +3855,7 @@
           <a:p>
             <a:r>
               <a:rPr lang="en-US" dirty="0"/>
-              <a:t>  200</a:t>
-            </a:r>
-          </a:p>
-        </p:txBody>
-      </p:sp>
-      <p:sp>
-        <p:nvSpPr>
-          <p:cNvPr id="21" name="TextBox 20">
-            <a:extLst>
-              <a:ext uri="{FF2B5EF4-FFF2-40B4-BE49-F238E27FC236}">
-                <a16:creationId xmlns:a16="http://schemas.microsoft.com/office/drawing/2014/main" id="{83F928A2-CA7C-0848-B00C-7AF2994BBA67}"/>
-              </a:ext>
-            </a:extLst>
-          </p:cNvPr>
-          <p:cNvSpPr txBox="1"/>
-          <p:nvPr/>
-        </p:nvSpPr>
-        <p:spPr>
-          <a:xfrm>
-            <a:off x="6767499" y="4280597"/>
-            <a:ext cx="814390" cy="646331"/>
-          </a:xfrm>
-          <a:prstGeom prst="rect">
-            <a:avLst/>
-          </a:prstGeom>
-          <a:noFill/>
-        </p:spPr>
-        <p:txBody>
-          <a:bodyPr wrap="none" rtlCol="0">
-            <a:spAutoFit/>
-          </a:bodyPr>
-          <a:lstStyle/>
-          <a:p>
-            <a:r>
-              <a:rPr lang="en-US" dirty="0"/>
-              <a:t>cluster</a:t>
-            </a:r>
-          </a:p>
-          <a:p>
-            <a:r>
-              <a:rPr lang="en-US" dirty="0"/>
-              <a:t>  220</a:t>
+              <a:t>  204</a:t>
             </a:r>
           </a:p>
         </p:txBody>
@@ -4145,7 +4110,7 @@
         </p:nvSpPr>
         <p:spPr>
           <a:xfrm>
-            <a:off x="9482232" y="2190878"/>
+            <a:off x="9482232" y="2401052"/>
             <a:ext cx="1217641" cy="369333"/>
           </a:xfrm>
           <a:prstGeom prst="rect">
@@ -4188,7 +4153,7 @@
         </p:nvSpPr>
         <p:spPr>
           <a:xfrm>
-            <a:off x="9451433" y="2675962"/>
+            <a:off x="9482232" y="2867664"/>
             <a:ext cx="1217641" cy="369333"/>
           </a:xfrm>
           <a:prstGeom prst="rect">
@@ -4232,7 +4197,7 @@
         <p:spPr>
           <a:xfrm>
             <a:off x="9482232" y="3672140"/>
-            <a:ext cx="1217641" cy="369333"/>
+            <a:ext cx="1217641" cy="369332"/>
           </a:xfrm>
           <a:prstGeom prst="rect">
             <a:avLst/>
@@ -4247,7 +4212,7 @@
           <a:p>
             <a:r>
               <a:rPr lang="en-US" dirty="0"/>
-              <a:t>119</a:t>
+              <a:t>203</a:t>
             </a:r>
             <a:r>
               <a:rPr lang="en-US" baseline="30000" dirty="0"/>
@@ -4275,7 +4240,7 @@
         <p:spPr>
           <a:xfrm>
             <a:off x="9482232" y="4150843"/>
-            <a:ext cx="1217641" cy="369333"/>
+            <a:ext cx="1217641" cy="369332"/>
           </a:xfrm>
           <a:prstGeom prst="rect">
             <a:avLst/>
@@ -4290,7 +4255,7 @@
           <a:p>
             <a:r>
               <a:rPr lang="en-US" dirty="0"/>
-              <a:t>220</a:t>
+              <a:t>204</a:t>
             </a:r>
             <a:r>
               <a:rPr lang="en-US" baseline="30000" dirty="0"/>
@@ -4317,7 +4282,7 @@
         </p:nvSpPr>
         <p:spPr>
           <a:xfrm>
-            <a:off x="8778235" y="2618763"/>
+            <a:off x="8843138" y="2833249"/>
             <a:ext cx="301686" cy="369332"/>
           </a:xfrm>
           <a:prstGeom prst="rect">
@@ -4352,7 +4317,7 @@
         </p:nvSpPr>
         <p:spPr>
           <a:xfrm>
-            <a:off x="8781650" y="2191647"/>
+            <a:off x="8825064" y="2382602"/>
             <a:ext cx="301686" cy="369332"/>
           </a:xfrm>
           <a:prstGeom prst="rect">
@@ -4387,8 +4352,8 @@
         </p:nvSpPr>
         <p:spPr>
           <a:xfrm>
-            <a:off x="8792643" y="3687660"/>
-            <a:ext cx="301686" cy="369332"/>
+            <a:off x="8762909" y="3669543"/>
+            <a:ext cx="354584" cy="369332"/>
           </a:xfrm>
           <a:prstGeom prst="rect">
             <a:avLst/>
@@ -4403,7 +4368,7 @@
           <a:p>
             <a:r>
               <a:rPr lang="en-US" dirty="0"/>
-              <a:t>0</a:t>
+              <a:t> 0</a:t>
             </a:r>
           </a:p>
         </p:txBody>
@@ -4422,7 +4387,7 @@
         </p:nvSpPr>
         <p:spPr>
           <a:xfrm>
-            <a:off x="8775423" y="4156268"/>
+            <a:off x="8807595" y="4117236"/>
             <a:ext cx="301686" cy="369332"/>
           </a:xfrm>
           <a:prstGeom prst="rect">
@@ -4511,9 +4476,9 @@
           <p:nvPr/>
         </p:nvCxnSpPr>
         <p:spPr>
-          <a:xfrm rot="16200000" flipH="1">
-            <a:off x="4110287" y="2464985"/>
-            <a:ext cx="1028982" cy="500439"/>
+          <a:xfrm rot="5400000">
+            <a:off x="3450636" y="2481551"/>
+            <a:ext cx="1062005" cy="476410"/>
           </a:xfrm>
           <a:prstGeom prst="bentConnector3">
             <a:avLst>
@@ -4553,7 +4518,7 @@
         </p:nvSpPr>
         <p:spPr>
           <a:xfrm>
-            <a:off x="4527448" y="3229696"/>
+            <a:off x="3395883" y="3250759"/>
             <a:ext cx="695100" cy="1004494"/>
           </a:xfrm>
           <a:prstGeom prst="roundRect">
@@ -4607,7 +4572,7 @@
         </p:nvSpPr>
         <p:spPr>
           <a:xfrm>
-            <a:off x="5449905" y="3231823"/>
+            <a:off x="4318340" y="3252886"/>
             <a:ext cx="695100" cy="1004494"/>
           </a:xfrm>
           <a:prstGeom prst="roundRect">
@@ -4661,7 +4626,7 @@
         </p:nvSpPr>
         <p:spPr>
           <a:xfrm>
-            <a:off x="6767499" y="3229696"/>
+            <a:off x="7175232" y="3252886"/>
             <a:ext cx="695100" cy="1004494"/>
           </a:xfrm>
           <a:prstGeom prst="roundRect">
@@ -4715,7 +4680,7 @@
         </p:nvSpPr>
         <p:spPr>
           <a:xfrm>
-            <a:off x="5391588" y="4321815"/>
+            <a:off x="4260023" y="4342878"/>
             <a:ext cx="814390" cy="646331"/>
           </a:xfrm>
           <a:prstGeom prst="rect">
@@ -4724,7 +4689,7 @@
           <a:noFill/>
         </p:spPr>
         <p:txBody>
-          <a:bodyPr wrap="none" rtlCol="0">
+          <a:bodyPr wrap="square" rtlCol="0">
             <a:spAutoFit/>
           </a:bodyPr>
           <a:lstStyle/>
@@ -4742,94 +4707,6 @@
           </a:p>
         </p:txBody>
       </p:sp>
-      <p:cxnSp>
-        <p:nvCxnSpPr>
-          <p:cNvPr id="5" name="Straight Arrow Connector 4">
-            <a:extLst>
-              <a:ext uri="{FF2B5EF4-FFF2-40B4-BE49-F238E27FC236}">
-                <a16:creationId xmlns:a16="http://schemas.microsoft.com/office/drawing/2014/main" id="{FD31C735-7E7E-1B42-8463-1B7ED5ADF74B}"/>
-              </a:ext>
-            </a:extLst>
-          </p:cNvPr>
-          <p:cNvCxnSpPr>
-            <a:stCxn id="43" idx="3"/>
-            <a:endCxn id="45" idx="1"/>
-          </p:cNvCxnSpPr>
-          <p:nvPr/>
-        </p:nvCxnSpPr>
-        <p:spPr>
-          <a:xfrm>
-            <a:off x="5222548" y="3731943"/>
-            <a:ext cx="227357" cy="2127"/>
-          </a:xfrm>
-          <a:prstGeom prst="straightConnector1">
-            <a:avLst/>
-          </a:prstGeom>
-          <a:ln>
-            <a:tailEnd type="triangle"/>
-          </a:ln>
-        </p:spPr>
-        <p:style>
-          <a:lnRef idx="1">
-            <a:schemeClr val="accent1"/>
-          </a:lnRef>
-          <a:fillRef idx="0">
-            <a:schemeClr val="accent1"/>
-          </a:fillRef>
-          <a:effectRef idx="0">
-            <a:schemeClr val="accent1"/>
-          </a:effectRef>
-          <a:fontRef idx="minor">
-            <a:schemeClr val="tx1"/>
-          </a:fontRef>
-        </p:style>
-      </p:cxnSp>
-      <p:cxnSp>
-        <p:nvCxnSpPr>
-          <p:cNvPr id="49" name="Straight Arrow Connector 48">
-            <a:extLst>
-              <a:ext uri="{FF2B5EF4-FFF2-40B4-BE49-F238E27FC236}">
-                <a16:creationId xmlns:a16="http://schemas.microsoft.com/office/drawing/2014/main" id="{80CF9CE6-2772-C143-A0C4-A140D9E066DD}"/>
-              </a:ext>
-            </a:extLst>
-          </p:cNvPr>
-          <p:cNvCxnSpPr>
-            <a:cxnSpLocks/>
-            <a:stCxn id="45" idx="3"/>
-          </p:cNvCxnSpPr>
-          <p:nvPr/>
-        </p:nvCxnSpPr>
-        <p:spPr>
-          <a:xfrm flipV="1">
-            <a:off x="6145005" y="3731944"/>
-            <a:ext cx="591699" cy="2126"/>
-          </a:xfrm>
-          <a:prstGeom prst="straightConnector1">
-            <a:avLst/>
-          </a:prstGeom>
-          <a:ln>
-            <a:solidFill>
-              <a:schemeClr val="accent1"/>
-            </a:solidFill>
-            <a:prstDash val="dash"/>
-            <a:tailEnd type="triangle"/>
-          </a:ln>
-        </p:spPr>
-        <p:style>
-          <a:lnRef idx="1">
-            <a:schemeClr val="accent1"/>
-          </a:lnRef>
-          <a:fillRef idx="0">
-            <a:schemeClr val="accent1"/>
-          </a:fillRef>
-          <a:effectRef idx="0">
-            <a:schemeClr val="accent1"/>
-          </a:effectRef>
-          <a:fontRef idx="minor">
-            <a:schemeClr val="tx1"/>
-          </a:fontRef>
-        </p:style>
-      </p:cxnSp>
       <p:sp>
         <p:nvSpPr>
           <p:cNvPr id="75" name="TextBox 74">
@@ -4948,6 +4825,274 @@
           </a:fontRef>
         </p:style>
       </p:cxnSp>
+      <p:sp>
+        <p:nvSpPr>
+          <p:cNvPr id="44" name="Rounded Rectangle 43">
+            <a:extLst>
+              <a:ext uri="{FF2B5EF4-FFF2-40B4-BE49-F238E27FC236}">
+                <a16:creationId xmlns:a16="http://schemas.microsoft.com/office/drawing/2014/main" id="{27E4486C-800D-064B-AD28-97F146BEF6F5}"/>
+              </a:ext>
+            </a:extLst>
+          </p:cNvPr>
+          <p:cNvSpPr/>
+          <p:nvPr/>
+        </p:nvSpPr>
+        <p:spPr>
+          <a:xfrm>
+            <a:off x="5300635" y="3250189"/>
+            <a:ext cx="695100" cy="1004494"/>
+          </a:xfrm>
+          <a:prstGeom prst="roundRect">
+            <a:avLst/>
+          </a:prstGeom>
+          <a:pattFill prst="ltUpDiag">
+            <a:fgClr>
+              <a:schemeClr val="accent1"/>
+            </a:fgClr>
+            <a:bgClr>
+              <a:schemeClr val="bg1"/>
+            </a:bgClr>
+          </a:pattFill>
+        </p:spPr>
+        <p:style>
+          <a:lnRef idx="2">
+            <a:schemeClr val="accent1">
+              <a:shade val="50000"/>
+            </a:schemeClr>
+          </a:lnRef>
+          <a:fillRef idx="1">
+            <a:schemeClr val="accent1"/>
+          </a:fillRef>
+          <a:effectRef idx="0">
+            <a:schemeClr val="accent1"/>
+          </a:effectRef>
+          <a:fontRef idx="minor">
+            <a:schemeClr val="lt1"/>
+          </a:fontRef>
+        </p:style>
+        <p:txBody>
+          <a:bodyPr rtlCol="0" anchor="ctr"/>
+          <a:lstStyle/>
+          <a:p>
+            <a:pPr algn="ctr"/>
+            <a:endParaRPr lang="en-US"/>
+          </a:p>
+        </p:txBody>
+      </p:sp>
+      <p:sp>
+        <p:nvSpPr>
+          <p:cNvPr id="48" name="Rounded Rectangle 47">
+            <a:extLst>
+              <a:ext uri="{FF2B5EF4-FFF2-40B4-BE49-F238E27FC236}">
+                <a16:creationId xmlns:a16="http://schemas.microsoft.com/office/drawing/2014/main" id="{4E0F0648-CC32-DF41-BB3A-72B32579E79C}"/>
+              </a:ext>
+            </a:extLst>
+          </p:cNvPr>
+          <p:cNvSpPr/>
+          <p:nvPr/>
+        </p:nvSpPr>
+        <p:spPr>
+          <a:xfrm>
+            <a:off x="6223092" y="3252316"/>
+            <a:ext cx="695100" cy="1004494"/>
+          </a:xfrm>
+          <a:prstGeom prst="roundRect">
+            <a:avLst/>
+          </a:prstGeom>
+          <a:pattFill prst="ltUpDiag">
+            <a:fgClr>
+              <a:schemeClr val="accent1"/>
+            </a:fgClr>
+            <a:bgClr>
+              <a:schemeClr val="bg1"/>
+            </a:bgClr>
+          </a:pattFill>
+        </p:spPr>
+        <p:style>
+          <a:lnRef idx="2">
+            <a:schemeClr val="accent1">
+              <a:shade val="50000"/>
+            </a:schemeClr>
+          </a:lnRef>
+          <a:fillRef idx="1">
+            <a:schemeClr val="accent1"/>
+          </a:fillRef>
+          <a:effectRef idx="0">
+            <a:schemeClr val="accent1"/>
+          </a:effectRef>
+          <a:fontRef idx="minor">
+            <a:schemeClr val="lt1"/>
+          </a:fontRef>
+        </p:style>
+        <p:txBody>
+          <a:bodyPr rtlCol="0" anchor="ctr"/>
+          <a:lstStyle/>
+          <a:p>
+            <a:pPr algn="ctr"/>
+            <a:endParaRPr lang="en-US"/>
+          </a:p>
+        </p:txBody>
+      </p:sp>
+      <p:sp>
+        <p:nvSpPr>
+          <p:cNvPr id="50" name="TextBox 49">
+            <a:extLst>
+              <a:ext uri="{FF2B5EF4-FFF2-40B4-BE49-F238E27FC236}">
+                <a16:creationId xmlns:a16="http://schemas.microsoft.com/office/drawing/2014/main" id="{16B36C2A-67BA-9646-975A-EE2DF809A8B3}"/>
+              </a:ext>
+            </a:extLst>
+          </p:cNvPr>
+          <p:cNvSpPr txBox="1"/>
+          <p:nvPr/>
+        </p:nvSpPr>
+        <p:spPr>
+          <a:xfrm>
+            <a:off x="6164775" y="4342308"/>
+            <a:ext cx="814390" cy="646331"/>
+          </a:xfrm>
+          <a:prstGeom prst="rect">
+            <a:avLst/>
+          </a:prstGeom>
+          <a:noFill/>
+        </p:spPr>
+        <p:txBody>
+          <a:bodyPr wrap="square" rtlCol="0">
+            <a:spAutoFit/>
+          </a:bodyPr>
+          <a:lstStyle/>
+          <a:p>
+            <a:r>
+              <a:rPr lang="en-US" dirty="0"/>
+              <a:t>cluster</a:t>
+            </a:r>
+          </a:p>
+          <a:p>
+            <a:r>
+              <a:rPr lang="en-US" dirty="0"/>
+              <a:t>  203</a:t>
+            </a:r>
+          </a:p>
+        </p:txBody>
+      </p:sp>
+      <p:sp>
+        <p:nvSpPr>
+          <p:cNvPr id="51" name="TextBox 50">
+            <a:extLst>
+              <a:ext uri="{FF2B5EF4-FFF2-40B4-BE49-F238E27FC236}">
+                <a16:creationId xmlns:a16="http://schemas.microsoft.com/office/drawing/2014/main" id="{28652887-0DC8-3E4A-9D96-89F185CDE96C}"/>
+              </a:ext>
+            </a:extLst>
+          </p:cNvPr>
+          <p:cNvSpPr txBox="1"/>
+          <p:nvPr/>
+        </p:nvSpPr>
+        <p:spPr>
+          <a:xfrm>
+            <a:off x="5250370" y="4342308"/>
+            <a:ext cx="814390" cy="646331"/>
+          </a:xfrm>
+          <a:prstGeom prst="rect">
+            <a:avLst/>
+          </a:prstGeom>
+          <a:noFill/>
+        </p:spPr>
+        <p:txBody>
+          <a:bodyPr wrap="square" rtlCol="0">
+            <a:spAutoFit/>
+          </a:bodyPr>
+          <a:lstStyle/>
+          <a:p>
+            <a:r>
+              <a:rPr lang="en-US" dirty="0"/>
+              <a:t>cluster</a:t>
+            </a:r>
+          </a:p>
+          <a:p>
+            <a:r>
+              <a:rPr lang="en-US" dirty="0"/>
+              <a:t>  202</a:t>
+            </a:r>
+          </a:p>
+        </p:txBody>
+      </p:sp>
+      <p:sp>
+        <p:nvSpPr>
+          <p:cNvPr id="53" name="TextBox 52">
+            <a:extLst>
+              <a:ext uri="{FF2B5EF4-FFF2-40B4-BE49-F238E27FC236}">
+                <a16:creationId xmlns:a16="http://schemas.microsoft.com/office/drawing/2014/main" id="{CDB276CC-874B-D44C-8D6B-19818A9FCCEA}"/>
+              </a:ext>
+            </a:extLst>
+          </p:cNvPr>
+          <p:cNvSpPr txBox="1"/>
+          <p:nvPr/>
+        </p:nvSpPr>
+        <p:spPr>
+          <a:xfrm>
+            <a:off x="8825064" y="3307526"/>
+            <a:ext cx="301686" cy="369332"/>
+          </a:xfrm>
+          <a:prstGeom prst="rect">
+            <a:avLst/>
+          </a:prstGeom>
+          <a:noFill/>
+        </p:spPr>
+        <p:txBody>
+          <a:bodyPr wrap="none" rtlCol="0">
+            <a:spAutoFit/>
+          </a:bodyPr>
+          <a:lstStyle/>
+          <a:p>
+            <a:r>
+              <a:rPr lang="en-US" dirty="0"/>
+              <a:t>0</a:t>
+            </a:r>
+          </a:p>
+        </p:txBody>
+      </p:sp>
+      <p:sp>
+        <p:nvSpPr>
+          <p:cNvPr id="54" name="TextBox 53">
+            <a:extLst>
+              <a:ext uri="{FF2B5EF4-FFF2-40B4-BE49-F238E27FC236}">
+                <a16:creationId xmlns:a16="http://schemas.microsoft.com/office/drawing/2014/main" id="{1B582D26-1E1E-8E48-8DD8-DFEA45C463C8}"/>
+              </a:ext>
+            </a:extLst>
+          </p:cNvPr>
+          <p:cNvSpPr txBox="1"/>
+          <p:nvPr/>
+        </p:nvSpPr>
+        <p:spPr>
+          <a:xfrm>
+            <a:off x="9482232" y="3239138"/>
+            <a:ext cx="1217641" cy="369332"/>
+          </a:xfrm>
+          <a:prstGeom prst="rect">
+            <a:avLst/>
+          </a:prstGeom>
+          <a:noFill/>
+        </p:spPr>
+        <p:txBody>
+          <a:bodyPr wrap="none" rtlCol="0">
+            <a:spAutoFit/>
+          </a:bodyPr>
+          <a:lstStyle/>
+          <a:p>
+            <a:r>
+              <a:rPr lang="en-US" dirty="0"/>
+              <a:t>202</a:t>
+            </a:r>
+            <a:r>
+              <a:rPr lang="en-US" baseline="30000" dirty="0"/>
+              <a:t>th</a:t>
+            </a:r>
+            <a:r>
+              <a:rPr lang="en-US" dirty="0"/>
+              <a:t> entry</a:t>
+            </a:r>
+          </a:p>
+        </p:txBody>
+      </p:sp>
     </p:spTree>
     <p:extLst>
       <p:ext uri="{BB962C8B-B14F-4D97-AF65-F5344CB8AC3E}">

--- a/dfr_metadata/book_chapter/fig/fat2.pptx
+++ b/dfr_metadata/book_chapter/fig/fat2.pptx
@@ -63,12 +63,16 @@
         </p:nvSpPr>
         <p:spPr>
           <a:xfrm>
-            <a:off x="1523880" y="1122480"/>
-            <a:ext cx="9142920" cy="2386440"/>
-          </a:xfrm>
-          <a:prstGeom prst="rect">
-            <a:avLst/>
-          </a:prstGeom>
+            <a:off x="609480" y="273600"/>
+            <a:ext cx="10972440" cy="1144800"/>
+          </a:xfrm>
+          <a:prstGeom prst="rect">
+            <a:avLst/>
+          </a:prstGeom>
+          <a:noFill/>
+          <a:ln w="0">
+            <a:noFill/>
+          </a:ln>
         </p:spPr>
         <p:txBody>
           <a:bodyPr lIns="0" rIns="0" tIns="0" bIns="0" anchor="ctr">
@@ -89,20 +93,24 @@
             <a:spLocks noGrp="1"/>
           </p:cNvSpPr>
           <p:nvPr>
-            <p:ph type="body"/>
+            <p:ph/>
           </p:nvPr>
         </p:nvSpPr>
         <p:spPr>
           <a:xfrm>
             <a:off x="609480" y="1604520"/>
-            <a:ext cx="10972080" cy="1896840"/>
-          </a:xfrm>
-          <a:prstGeom prst="rect">
-            <a:avLst/>
-          </a:prstGeom>
-        </p:spPr>
-        <p:txBody>
-          <a:bodyPr lIns="0" rIns="0" tIns="0" bIns="0">
+            <a:ext cx="10972440" cy="1896840"/>
+          </a:xfrm>
+          <a:prstGeom prst="rect">
+            <a:avLst/>
+          </a:prstGeom>
+          <a:noFill/>
+          <a:ln w="0">
+            <a:noFill/>
+          </a:ln>
+        </p:spPr>
+        <p:txBody>
+          <a:bodyPr lIns="0" rIns="0" tIns="0" bIns="0" anchor="t">
             <a:normAutofit/>
           </a:bodyPr>
           <a:p>
@@ -119,20 +127,24 @@
             <a:spLocks noGrp="1"/>
           </p:cNvSpPr>
           <p:nvPr>
-            <p:ph type="body"/>
+            <p:ph/>
           </p:nvPr>
         </p:nvSpPr>
         <p:spPr>
           <a:xfrm>
             <a:off x="609480" y="3682080"/>
-            <a:ext cx="10972080" cy="1896840"/>
-          </a:xfrm>
-          <a:prstGeom prst="rect">
-            <a:avLst/>
-          </a:prstGeom>
-        </p:spPr>
-        <p:txBody>
-          <a:bodyPr lIns="0" rIns="0" tIns="0" bIns="0">
+            <a:ext cx="10972440" cy="1896840"/>
+          </a:xfrm>
+          <a:prstGeom prst="rect">
+            <a:avLst/>
+          </a:prstGeom>
+          <a:noFill/>
+          <a:ln w="0">
+            <a:noFill/>
+          </a:ln>
+        </p:spPr>
+        <p:txBody>
+          <a:bodyPr lIns="0" rIns="0" tIns="0" bIns="0" anchor="t">
             <a:normAutofit/>
           </a:bodyPr>
           <a:p>
@@ -176,12 +188,16 @@
         </p:nvSpPr>
         <p:spPr>
           <a:xfrm>
-            <a:off x="1523880" y="1122480"/>
-            <a:ext cx="9142920" cy="2386440"/>
-          </a:xfrm>
-          <a:prstGeom prst="rect">
-            <a:avLst/>
-          </a:prstGeom>
+            <a:off x="609480" y="273600"/>
+            <a:ext cx="10972440" cy="1144800"/>
+          </a:xfrm>
+          <a:prstGeom prst="rect">
+            <a:avLst/>
+          </a:prstGeom>
+          <a:noFill/>
+          <a:ln w="0">
+            <a:noFill/>
+          </a:ln>
         </p:spPr>
         <p:txBody>
           <a:bodyPr lIns="0" rIns="0" tIns="0" bIns="0" anchor="ctr">
@@ -202,7 +218,7 @@
             <a:spLocks noGrp="1"/>
           </p:cNvSpPr>
           <p:nvPr>
-            <p:ph type="body"/>
+            <p:ph/>
           </p:nvPr>
         </p:nvSpPr>
         <p:spPr>
@@ -213,9 +229,13 @@
           <a:prstGeom prst="rect">
             <a:avLst/>
           </a:prstGeom>
-        </p:spPr>
-        <p:txBody>
-          <a:bodyPr lIns="0" rIns="0" tIns="0" bIns="0">
+          <a:noFill/>
+          <a:ln w="0">
+            <a:noFill/>
+          </a:ln>
+        </p:spPr>
+        <p:txBody>
+          <a:bodyPr lIns="0" rIns="0" tIns="0" bIns="0" anchor="t">
             <a:normAutofit/>
           </a:bodyPr>
           <a:p>
@@ -232,7 +252,7 @@
             <a:spLocks noGrp="1"/>
           </p:cNvSpPr>
           <p:nvPr>
-            <p:ph type="body"/>
+            <p:ph/>
           </p:nvPr>
         </p:nvSpPr>
         <p:spPr>
@@ -243,9 +263,13 @@
           <a:prstGeom prst="rect">
             <a:avLst/>
           </a:prstGeom>
-        </p:spPr>
-        <p:txBody>
-          <a:bodyPr lIns="0" rIns="0" tIns="0" bIns="0">
+          <a:noFill/>
+          <a:ln w="0">
+            <a:noFill/>
+          </a:ln>
+        </p:spPr>
+        <p:txBody>
+          <a:bodyPr lIns="0" rIns="0" tIns="0" bIns="0" anchor="t">
             <a:normAutofit/>
           </a:bodyPr>
           <a:p>
@@ -262,7 +286,7 @@
             <a:spLocks noGrp="1"/>
           </p:cNvSpPr>
           <p:nvPr>
-            <p:ph type="body"/>
+            <p:ph/>
           </p:nvPr>
         </p:nvSpPr>
         <p:spPr>
@@ -273,9 +297,13 @@
           <a:prstGeom prst="rect">
             <a:avLst/>
           </a:prstGeom>
-        </p:spPr>
-        <p:txBody>
-          <a:bodyPr lIns="0" rIns="0" tIns="0" bIns="0">
+          <a:noFill/>
+          <a:ln w="0">
+            <a:noFill/>
+          </a:ln>
+        </p:spPr>
+        <p:txBody>
+          <a:bodyPr lIns="0" rIns="0" tIns="0" bIns="0" anchor="t">
             <a:normAutofit/>
           </a:bodyPr>
           <a:p>
@@ -292,7 +320,7 @@
             <a:spLocks noGrp="1"/>
           </p:cNvSpPr>
           <p:nvPr>
-            <p:ph type="body"/>
+            <p:ph/>
           </p:nvPr>
         </p:nvSpPr>
         <p:spPr>
@@ -303,9 +331,13 @@
           <a:prstGeom prst="rect">
             <a:avLst/>
           </a:prstGeom>
-        </p:spPr>
-        <p:txBody>
-          <a:bodyPr lIns="0" rIns="0" tIns="0" bIns="0">
+          <a:noFill/>
+          <a:ln w="0">
+            <a:noFill/>
+          </a:ln>
+        </p:spPr>
+        <p:txBody>
+          <a:bodyPr lIns="0" rIns="0" tIns="0" bIns="0" anchor="t">
             <a:normAutofit/>
           </a:bodyPr>
           <a:p>
@@ -349,12 +381,16 @@
         </p:nvSpPr>
         <p:spPr>
           <a:xfrm>
-            <a:off x="1523880" y="1122480"/>
-            <a:ext cx="9142920" cy="2386440"/>
-          </a:xfrm>
-          <a:prstGeom prst="rect">
-            <a:avLst/>
-          </a:prstGeom>
+            <a:off x="609480" y="273600"/>
+            <a:ext cx="10972440" cy="1144800"/>
+          </a:xfrm>
+          <a:prstGeom prst="rect">
+            <a:avLst/>
+          </a:prstGeom>
+          <a:noFill/>
+          <a:ln w="0">
+            <a:noFill/>
+          </a:ln>
         </p:spPr>
         <p:txBody>
           <a:bodyPr lIns="0" rIns="0" tIns="0" bIns="0" anchor="ctr">
@@ -375,20 +411,24 @@
             <a:spLocks noGrp="1"/>
           </p:cNvSpPr>
           <p:nvPr>
-            <p:ph type="body"/>
+            <p:ph/>
           </p:nvPr>
         </p:nvSpPr>
         <p:spPr>
           <a:xfrm>
             <a:off x="609480" y="1604520"/>
-            <a:ext cx="3532680" cy="1896840"/>
-          </a:xfrm>
-          <a:prstGeom prst="rect">
-            <a:avLst/>
-          </a:prstGeom>
-        </p:spPr>
-        <p:txBody>
-          <a:bodyPr lIns="0" rIns="0" tIns="0" bIns="0">
+            <a:ext cx="3533040" cy="1896840"/>
+          </a:xfrm>
+          <a:prstGeom prst="rect">
+            <a:avLst/>
+          </a:prstGeom>
+          <a:noFill/>
+          <a:ln w="0">
+            <a:noFill/>
+          </a:ln>
+        </p:spPr>
+        <p:txBody>
+          <a:bodyPr lIns="0" rIns="0" tIns="0" bIns="0" anchor="t">
             <a:normAutofit/>
           </a:bodyPr>
           <a:p>
@@ -405,20 +445,24 @@
             <a:spLocks noGrp="1"/>
           </p:cNvSpPr>
           <p:nvPr>
-            <p:ph type="body"/>
+            <p:ph/>
           </p:nvPr>
         </p:nvSpPr>
         <p:spPr>
           <a:xfrm>
-            <a:off x="4319280" y="1604520"/>
-            <a:ext cx="3532680" cy="1896840"/>
-          </a:xfrm>
-          <a:prstGeom prst="rect">
-            <a:avLst/>
-          </a:prstGeom>
-        </p:spPr>
-        <p:txBody>
-          <a:bodyPr lIns="0" rIns="0" tIns="0" bIns="0">
+            <a:off x="4319640" y="1604520"/>
+            <a:ext cx="3533040" cy="1896840"/>
+          </a:xfrm>
+          <a:prstGeom prst="rect">
+            <a:avLst/>
+          </a:prstGeom>
+          <a:noFill/>
+          <a:ln w="0">
+            <a:noFill/>
+          </a:ln>
+        </p:spPr>
+        <p:txBody>
+          <a:bodyPr lIns="0" rIns="0" tIns="0" bIns="0" anchor="t">
             <a:normAutofit/>
           </a:bodyPr>
           <a:p>
@@ -435,20 +479,24 @@
             <a:spLocks noGrp="1"/>
           </p:cNvSpPr>
           <p:nvPr>
-            <p:ph type="body"/>
+            <p:ph/>
           </p:nvPr>
         </p:nvSpPr>
         <p:spPr>
           <a:xfrm>
-            <a:off x="8028720" y="1604520"/>
-            <a:ext cx="3532680" cy="1896840"/>
-          </a:xfrm>
-          <a:prstGeom prst="rect">
-            <a:avLst/>
-          </a:prstGeom>
-        </p:spPr>
-        <p:txBody>
-          <a:bodyPr lIns="0" rIns="0" tIns="0" bIns="0">
+            <a:off x="8029800" y="1604520"/>
+            <a:ext cx="3533040" cy="1896840"/>
+          </a:xfrm>
+          <a:prstGeom prst="rect">
+            <a:avLst/>
+          </a:prstGeom>
+          <a:noFill/>
+          <a:ln w="0">
+            <a:noFill/>
+          </a:ln>
+        </p:spPr>
+        <p:txBody>
+          <a:bodyPr lIns="0" rIns="0" tIns="0" bIns="0" anchor="t">
             <a:normAutofit/>
           </a:bodyPr>
           <a:p>
@@ -465,20 +513,24 @@
             <a:spLocks noGrp="1"/>
           </p:cNvSpPr>
           <p:nvPr>
-            <p:ph type="body"/>
+            <p:ph/>
           </p:nvPr>
         </p:nvSpPr>
         <p:spPr>
           <a:xfrm>
             <a:off x="609480" y="3682080"/>
-            <a:ext cx="3532680" cy="1896840"/>
-          </a:xfrm>
-          <a:prstGeom prst="rect">
-            <a:avLst/>
-          </a:prstGeom>
-        </p:spPr>
-        <p:txBody>
-          <a:bodyPr lIns="0" rIns="0" tIns="0" bIns="0">
+            <a:ext cx="3533040" cy="1896840"/>
+          </a:xfrm>
+          <a:prstGeom prst="rect">
+            <a:avLst/>
+          </a:prstGeom>
+          <a:noFill/>
+          <a:ln w="0">
+            <a:noFill/>
+          </a:ln>
+        </p:spPr>
+        <p:txBody>
+          <a:bodyPr lIns="0" rIns="0" tIns="0" bIns="0" anchor="t">
             <a:normAutofit/>
           </a:bodyPr>
           <a:p>
@@ -495,20 +547,24 @@
             <a:spLocks noGrp="1"/>
           </p:cNvSpPr>
           <p:nvPr>
-            <p:ph type="body"/>
+            <p:ph/>
           </p:nvPr>
         </p:nvSpPr>
         <p:spPr>
           <a:xfrm>
-            <a:off x="4319280" y="3682080"/>
-            <a:ext cx="3532680" cy="1896840"/>
-          </a:xfrm>
-          <a:prstGeom prst="rect">
-            <a:avLst/>
-          </a:prstGeom>
-        </p:spPr>
-        <p:txBody>
-          <a:bodyPr lIns="0" rIns="0" tIns="0" bIns="0">
+            <a:off x="4319640" y="3682080"/>
+            <a:ext cx="3533040" cy="1896840"/>
+          </a:xfrm>
+          <a:prstGeom prst="rect">
+            <a:avLst/>
+          </a:prstGeom>
+          <a:noFill/>
+          <a:ln w="0">
+            <a:noFill/>
+          </a:ln>
+        </p:spPr>
+        <p:txBody>
+          <a:bodyPr lIns="0" rIns="0" tIns="0" bIns="0" anchor="t">
             <a:normAutofit/>
           </a:bodyPr>
           <a:p>
@@ -525,20 +581,24 @@
             <a:spLocks noGrp="1"/>
           </p:cNvSpPr>
           <p:nvPr>
-            <p:ph type="body"/>
+            <p:ph/>
           </p:nvPr>
         </p:nvSpPr>
         <p:spPr>
           <a:xfrm>
-            <a:off x="8028720" y="3682080"/>
-            <a:ext cx="3532680" cy="1896840"/>
-          </a:xfrm>
-          <a:prstGeom prst="rect">
-            <a:avLst/>
-          </a:prstGeom>
-        </p:spPr>
-        <p:txBody>
-          <a:bodyPr lIns="0" rIns="0" tIns="0" bIns="0">
+            <a:off x="8029800" y="3682080"/>
+            <a:ext cx="3533040" cy="1896840"/>
+          </a:xfrm>
+          <a:prstGeom prst="rect">
+            <a:avLst/>
+          </a:prstGeom>
+          <a:noFill/>
+          <a:ln w="0">
+            <a:noFill/>
+          </a:ln>
+        </p:spPr>
+        <p:txBody>
+          <a:bodyPr lIns="0" rIns="0" tIns="0" bIns="0" anchor="t">
             <a:normAutofit/>
           </a:bodyPr>
           <a:p>
@@ -582,12 +642,16 @@
         </p:nvSpPr>
         <p:spPr>
           <a:xfrm>
-            <a:off x="1523880" y="1122480"/>
-            <a:ext cx="9142920" cy="2386440"/>
-          </a:xfrm>
-          <a:prstGeom prst="rect">
-            <a:avLst/>
-          </a:prstGeom>
+            <a:off x="609480" y="273600"/>
+            <a:ext cx="10972440" cy="1144800"/>
+          </a:xfrm>
+          <a:prstGeom prst="rect">
+            <a:avLst/>
+          </a:prstGeom>
+          <a:noFill/>
+          <a:ln w="0">
+            <a:noFill/>
+          </a:ln>
         </p:spPr>
         <p:txBody>
           <a:bodyPr lIns="0" rIns="0" tIns="0" bIns="0" anchor="ctr">
@@ -614,11 +678,15 @@
         <p:spPr>
           <a:xfrm>
             <a:off x="609480" y="1604520"/>
-            <a:ext cx="10972080" cy="3976920"/>
-          </a:xfrm>
-          <a:prstGeom prst="rect">
-            <a:avLst/>
-          </a:prstGeom>
+            <a:ext cx="10972440" cy="3977280"/>
+          </a:xfrm>
+          <a:prstGeom prst="rect">
+            <a:avLst/>
+          </a:prstGeom>
+          <a:noFill/>
+          <a:ln w="0">
+            <a:noFill/>
+          </a:ln>
         </p:spPr>
         <p:txBody>
           <a:bodyPr lIns="0" rIns="0" tIns="0" bIns="0" anchor="ctr">
@@ -666,12 +734,16 @@
         </p:nvSpPr>
         <p:spPr>
           <a:xfrm>
-            <a:off x="1523880" y="1122480"/>
-            <a:ext cx="9142920" cy="2386440"/>
-          </a:xfrm>
-          <a:prstGeom prst="rect">
-            <a:avLst/>
-          </a:prstGeom>
+            <a:off x="609480" y="273600"/>
+            <a:ext cx="10972440" cy="1144800"/>
+          </a:xfrm>
+          <a:prstGeom prst="rect">
+            <a:avLst/>
+          </a:prstGeom>
+          <a:noFill/>
+          <a:ln w="0">
+            <a:noFill/>
+          </a:ln>
         </p:spPr>
         <p:txBody>
           <a:bodyPr lIns="0" rIns="0" tIns="0" bIns="0" anchor="ctr">
@@ -692,20 +764,24 @@
             <a:spLocks noGrp="1"/>
           </p:cNvSpPr>
           <p:nvPr>
-            <p:ph type="body"/>
+            <p:ph/>
           </p:nvPr>
         </p:nvSpPr>
         <p:spPr>
           <a:xfrm>
             <a:off x="609480" y="1604520"/>
-            <a:ext cx="10972080" cy="3976920"/>
-          </a:xfrm>
-          <a:prstGeom prst="rect">
-            <a:avLst/>
-          </a:prstGeom>
-        </p:spPr>
-        <p:txBody>
-          <a:bodyPr lIns="0" rIns="0" tIns="0" bIns="0">
+            <a:ext cx="10972440" cy="3977280"/>
+          </a:xfrm>
+          <a:prstGeom prst="rect">
+            <a:avLst/>
+          </a:prstGeom>
+          <a:noFill/>
+          <a:ln w="0">
+            <a:noFill/>
+          </a:ln>
+        </p:spPr>
+        <p:txBody>
+          <a:bodyPr lIns="0" rIns="0" tIns="0" bIns="0" anchor="t">
             <a:normAutofit/>
           </a:bodyPr>
           <a:p>
@@ -749,12 +825,16 @@
         </p:nvSpPr>
         <p:spPr>
           <a:xfrm>
-            <a:off x="1523880" y="1122480"/>
-            <a:ext cx="9142920" cy="2386440"/>
-          </a:xfrm>
-          <a:prstGeom prst="rect">
-            <a:avLst/>
-          </a:prstGeom>
+            <a:off x="609480" y="273600"/>
+            <a:ext cx="10972440" cy="1144800"/>
+          </a:xfrm>
+          <a:prstGeom prst="rect">
+            <a:avLst/>
+          </a:prstGeom>
+          <a:noFill/>
+          <a:ln w="0">
+            <a:noFill/>
+          </a:ln>
         </p:spPr>
         <p:txBody>
           <a:bodyPr lIns="0" rIns="0" tIns="0" bIns="0" anchor="ctr">
@@ -775,20 +855,24 @@
             <a:spLocks noGrp="1"/>
           </p:cNvSpPr>
           <p:nvPr>
-            <p:ph type="body"/>
+            <p:ph/>
           </p:nvPr>
         </p:nvSpPr>
         <p:spPr>
           <a:xfrm>
             <a:off x="609480" y="1604520"/>
-            <a:ext cx="5354280" cy="3976920"/>
-          </a:xfrm>
-          <a:prstGeom prst="rect">
-            <a:avLst/>
-          </a:prstGeom>
-        </p:spPr>
-        <p:txBody>
-          <a:bodyPr lIns="0" rIns="0" tIns="0" bIns="0">
+            <a:ext cx="5354280" cy="3977280"/>
+          </a:xfrm>
+          <a:prstGeom prst="rect">
+            <a:avLst/>
+          </a:prstGeom>
+          <a:noFill/>
+          <a:ln w="0">
+            <a:noFill/>
+          </a:ln>
+        </p:spPr>
+        <p:txBody>
+          <a:bodyPr lIns="0" rIns="0" tIns="0" bIns="0" anchor="t">
             <a:normAutofit/>
           </a:bodyPr>
           <a:p>
@@ -805,20 +889,24 @@
             <a:spLocks noGrp="1"/>
           </p:cNvSpPr>
           <p:nvPr>
-            <p:ph type="body"/>
+            <p:ph/>
           </p:nvPr>
         </p:nvSpPr>
         <p:spPr>
           <a:xfrm>
             <a:off x="6231960" y="1604520"/>
-            <a:ext cx="5354280" cy="3976920"/>
-          </a:xfrm>
-          <a:prstGeom prst="rect">
-            <a:avLst/>
-          </a:prstGeom>
-        </p:spPr>
-        <p:txBody>
-          <a:bodyPr lIns="0" rIns="0" tIns="0" bIns="0">
+            <a:ext cx="5354280" cy="3977280"/>
+          </a:xfrm>
+          <a:prstGeom prst="rect">
+            <a:avLst/>
+          </a:prstGeom>
+          <a:noFill/>
+          <a:ln w="0">
+            <a:noFill/>
+          </a:ln>
+        </p:spPr>
+        <p:txBody>
+          <a:bodyPr lIns="0" rIns="0" tIns="0" bIns="0" anchor="t">
             <a:normAutofit/>
           </a:bodyPr>
           <a:p>
@@ -862,12 +950,16 @@
         </p:nvSpPr>
         <p:spPr>
           <a:xfrm>
-            <a:off x="1523880" y="1122480"/>
-            <a:ext cx="9142920" cy="2386440"/>
-          </a:xfrm>
-          <a:prstGeom prst="rect">
-            <a:avLst/>
-          </a:prstGeom>
+            <a:off x="609480" y="273600"/>
+            <a:ext cx="10972440" cy="1144800"/>
+          </a:xfrm>
+          <a:prstGeom prst="rect">
+            <a:avLst/>
+          </a:prstGeom>
+          <a:noFill/>
+          <a:ln w="0">
+            <a:noFill/>
+          </a:ln>
         </p:spPr>
         <p:txBody>
           <a:bodyPr lIns="0" rIns="0" tIns="0" bIns="0" anchor="ctr">
@@ -915,12 +1007,16 @@
         </p:nvSpPr>
         <p:spPr>
           <a:xfrm>
-            <a:off x="1523880" y="1122480"/>
-            <a:ext cx="9142920" cy="11063520"/>
-          </a:xfrm>
-          <a:prstGeom prst="rect">
-            <a:avLst/>
-          </a:prstGeom>
+            <a:off x="609480" y="273600"/>
+            <a:ext cx="10972440" cy="5307840"/>
+          </a:xfrm>
+          <a:prstGeom prst="rect">
+            <a:avLst/>
+          </a:prstGeom>
+          <a:noFill/>
+          <a:ln w="0">
+            <a:noFill/>
+          </a:ln>
         </p:spPr>
         <p:txBody>
           <a:bodyPr lIns="0" rIns="0" tIns="0" bIns="0" anchor="ctr">
@@ -968,12 +1064,16 @@
         </p:nvSpPr>
         <p:spPr>
           <a:xfrm>
-            <a:off x="1523880" y="1122480"/>
-            <a:ext cx="9142920" cy="2386440"/>
-          </a:xfrm>
-          <a:prstGeom prst="rect">
-            <a:avLst/>
-          </a:prstGeom>
+            <a:off x="609480" y="273600"/>
+            <a:ext cx="10972440" cy="1144800"/>
+          </a:xfrm>
+          <a:prstGeom prst="rect">
+            <a:avLst/>
+          </a:prstGeom>
+          <a:noFill/>
+          <a:ln w="0">
+            <a:noFill/>
+          </a:ln>
         </p:spPr>
         <p:txBody>
           <a:bodyPr lIns="0" rIns="0" tIns="0" bIns="0" anchor="ctr">
@@ -994,7 +1094,7 @@
             <a:spLocks noGrp="1"/>
           </p:cNvSpPr>
           <p:nvPr>
-            <p:ph type="body"/>
+            <p:ph/>
           </p:nvPr>
         </p:nvSpPr>
         <p:spPr>
@@ -1005,9 +1105,13 @@
           <a:prstGeom prst="rect">
             <a:avLst/>
           </a:prstGeom>
-        </p:spPr>
-        <p:txBody>
-          <a:bodyPr lIns="0" rIns="0" tIns="0" bIns="0">
+          <a:noFill/>
+          <a:ln w="0">
+            <a:noFill/>
+          </a:ln>
+        </p:spPr>
+        <p:txBody>
+          <a:bodyPr lIns="0" rIns="0" tIns="0" bIns="0" anchor="t">
             <a:normAutofit/>
           </a:bodyPr>
           <a:p>
@@ -1024,20 +1128,24 @@
             <a:spLocks noGrp="1"/>
           </p:cNvSpPr>
           <p:nvPr>
-            <p:ph type="body"/>
+            <p:ph/>
           </p:nvPr>
         </p:nvSpPr>
         <p:spPr>
           <a:xfrm>
             <a:off x="6231960" y="1604520"/>
-            <a:ext cx="5354280" cy="3976920"/>
-          </a:xfrm>
-          <a:prstGeom prst="rect">
-            <a:avLst/>
-          </a:prstGeom>
-        </p:spPr>
-        <p:txBody>
-          <a:bodyPr lIns="0" rIns="0" tIns="0" bIns="0">
+            <a:ext cx="5354280" cy="3977280"/>
+          </a:xfrm>
+          <a:prstGeom prst="rect">
+            <a:avLst/>
+          </a:prstGeom>
+          <a:noFill/>
+          <a:ln w="0">
+            <a:noFill/>
+          </a:ln>
+        </p:spPr>
+        <p:txBody>
+          <a:bodyPr lIns="0" rIns="0" tIns="0" bIns="0" anchor="t">
             <a:normAutofit/>
           </a:bodyPr>
           <a:p>
@@ -1054,7 +1162,7 @@
             <a:spLocks noGrp="1"/>
           </p:cNvSpPr>
           <p:nvPr>
-            <p:ph type="body"/>
+            <p:ph/>
           </p:nvPr>
         </p:nvSpPr>
         <p:spPr>
@@ -1065,9 +1173,13 @@
           <a:prstGeom prst="rect">
             <a:avLst/>
           </a:prstGeom>
-        </p:spPr>
-        <p:txBody>
-          <a:bodyPr lIns="0" rIns="0" tIns="0" bIns="0">
+          <a:noFill/>
+          <a:ln w="0">
+            <a:noFill/>
+          </a:ln>
+        </p:spPr>
+        <p:txBody>
+          <a:bodyPr lIns="0" rIns="0" tIns="0" bIns="0" anchor="t">
             <a:normAutofit/>
           </a:bodyPr>
           <a:p>
@@ -1111,12 +1223,16 @@
         </p:nvSpPr>
         <p:spPr>
           <a:xfrm>
-            <a:off x="1523880" y="1122480"/>
-            <a:ext cx="9142920" cy="2386440"/>
-          </a:xfrm>
-          <a:prstGeom prst="rect">
-            <a:avLst/>
-          </a:prstGeom>
+            <a:off x="609480" y="273600"/>
+            <a:ext cx="10972440" cy="1144800"/>
+          </a:xfrm>
+          <a:prstGeom prst="rect">
+            <a:avLst/>
+          </a:prstGeom>
+          <a:noFill/>
+          <a:ln w="0">
+            <a:noFill/>
+          </a:ln>
         </p:spPr>
         <p:txBody>
           <a:bodyPr lIns="0" rIns="0" tIns="0" bIns="0" anchor="ctr">
@@ -1137,20 +1253,24 @@
             <a:spLocks noGrp="1"/>
           </p:cNvSpPr>
           <p:nvPr>
-            <p:ph type="body"/>
+            <p:ph/>
           </p:nvPr>
         </p:nvSpPr>
         <p:spPr>
           <a:xfrm>
             <a:off x="609480" y="1604520"/>
-            <a:ext cx="5354280" cy="3976920"/>
-          </a:xfrm>
-          <a:prstGeom prst="rect">
-            <a:avLst/>
-          </a:prstGeom>
-        </p:spPr>
-        <p:txBody>
-          <a:bodyPr lIns="0" rIns="0" tIns="0" bIns="0">
+            <a:ext cx="5354280" cy="3977280"/>
+          </a:xfrm>
+          <a:prstGeom prst="rect">
+            <a:avLst/>
+          </a:prstGeom>
+          <a:noFill/>
+          <a:ln w="0">
+            <a:noFill/>
+          </a:ln>
+        </p:spPr>
+        <p:txBody>
+          <a:bodyPr lIns="0" rIns="0" tIns="0" bIns="0" anchor="t">
             <a:normAutofit/>
           </a:bodyPr>
           <a:p>
@@ -1167,7 +1287,7 @@
             <a:spLocks noGrp="1"/>
           </p:cNvSpPr>
           <p:nvPr>
-            <p:ph type="body"/>
+            <p:ph/>
           </p:nvPr>
         </p:nvSpPr>
         <p:spPr>
@@ -1178,9 +1298,13 @@
           <a:prstGeom prst="rect">
             <a:avLst/>
           </a:prstGeom>
-        </p:spPr>
-        <p:txBody>
-          <a:bodyPr lIns="0" rIns="0" tIns="0" bIns="0">
+          <a:noFill/>
+          <a:ln w="0">
+            <a:noFill/>
+          </a:ln>
+        </p:spPr>
+        <p:txBody>
+          <a:bodyPr lIns="0" rIns="0" tIns="0" bIns="0" anchor="t">
             <a:normAutofit/>
           </a:bodyPr>
           <a:p>
@@ -1197,7 +1321,7 @@
             <a:spLocks noGrp="1"/>
           </p:cNvSpPr>
           <p:nvPr>
-            <p:ph type="body"/>
+            <p:ph/>
           </p:nvPr>
         </p:nvSpPr>
         <p:spPr>
@@ -1208,9 +1332,13 @@
           <a:prstGeom prst="rect">
             <a:avLst/>
           </a:prstGeom>
-        </p:spPr>
-        <p:txBody>
-          <a:bodyPr lIns="0" rIns="0" tIns="0" bIns="0">
+          <a:noFill/>
+          <a:ln w="0">
+            <a:noFill/>
+          </a:ln>
+        </p:spPr>
+        <p:txBody>
+          <a:bodyPr lIns="0" rIns="0" tIns="0" bIns="0" anchor="t">
             <a:normAutofit/>
           </a:bodyPr>
           <a:p>
@@ -1254,12 +1382,16 @@
         </p:nvSpPr>
         <p:spPr>
           <a:xfrm>
-            <a:off x="1523880" y="1122480"/>
-            <a:ext cx="9142920" cy="2386440"/>
-          </a:xfrm>
-          <a:prstGeom prst="rect">
-            <a:avLst/>
-          </a:prstGeom>
+            <a:off x="609480" y="273600"/>
+            <a:ext cx="10972440" cy="1144800"/>
+          </a:xfrm>
+          <a:prstGeom prst="rect">
+            <a:avLst/>
+          </a:prstGeom>
+          <a:noFill/>
+          <a:ln w="0">
+            <a:noFill/>
+          </a:ln>
         </p:spPr>
         <p:txBody>
           <a:bodyPr lIns="0" rIns="0" tIns="0" bIns="0" anchor="ctr">
@@ -1280,7 +1412,7 @@
             <a:spLocks noGrp="1"/>
           </p:cNvSpPr>
           <p:nvPr>
-            <p:ph type="body"/>
+            <p:ph/>
           </p:nvPr>
         </p:nvSpPr>
         <p:spPr>
@@ -1291,9 +1423,13 @@
           <a:prstGeom prst="rect">
             <a:avLst/>
           </a:prstGeom>
-        </p:spPr>
-        <p:txBody>
-          <a:bodyPr lIns="0" rIns="0" tIns="0" bIns="0">
+          <a:noFill/>
+          <a:ln w="0">
+            <a:noFill/>
+          </a:ln>
+        </p:spPr>
+        <p:txBody>
+          <a:bodyPr lIns="0" rIns="0" tIns="0" bIns="0" anchor="t">
             <a:normAutofit/>
           </a:bodyPr>
           <a:p>
@@ -1310,7 +1446,7 @@
             <a:spLocks noGrp="1"/>
           </p:cNvSpPr>
           <p:nvPr>
-            <p:ph type="body"/>
+            <p:ph/>
           </p:nvPr>
         </p:nvSpPr>
         <p:spPr>
@@ -1321,9 +1457,13 @@
           <a:prstGeom prst="rect">
             <a:avLst/>
           </a:prstGeom>
-        </p:spPr>
-        <p:txBody>
-          <a:bodyPr lIns="0" rIns="0" tIns="0" bIns="0">
+          <a:noFill/>
+          <a:ln w="0">
+            <a:noFill/>
+          </a:ln>
+        </p:spPr>
+        <p:txBody>
+          <a:bodyPr lIns="0" rIns="0" tIns="0" bIns="0" anchor="t">
             <a:normAutofit/>
           </a:bodyPr>
           <a:p>
@@ -1340,20 +1480,24 @@
             <a:spLocks noGrp="1"/>
           </p:cNvSpPr>
           <p:nvPr>
-            <p:ph type="body"/>
+            <p:ph/>
           </p:nvPr>
         </p:nvSpPr>
         <p:spPr>
           <a:xfrm>
             <a:off x="609480" y="3682080"/>
-            <a:ext cx="10972080" cy="1896840"/>
-          </a:xfrm>
-          <a:prstGeom prst="rect">
-            <a:avLst/>
-          </a:prstGeom>
-        </p:spPr>
-        <p:txBody>
-          <a:bodyPr lIns="0" rIns="0" tIns="0" bIns="0">
+            <a:ext cx="10972440" cy="1896840"/>
+          </a:xfrm>
+          <a:prstGeom prst="rect">
+            <a:avLst/>
+          </a:prstGeom>
+          <a:noFill/>
+          <a:ln w="0">
+            <a:noFill/>
+          </a:ln>
+        </p:spPr>
+        <p:txBody>
+          <a:bodyPr lIns="0" rIns="0" tIns="0" bIns="0" anchor="t">
             <a:normAutofit/>
           </a:bodyPr>
           <a:p>
@@ -1404,25 +1548,30 @@
         </p:nvSpPr>
         <p:spPr>
           <a:xfrm>
-            <a:off x="1523880" y="1122480"/>
-            <a:ext cx="9142920" cy="2386440"/>
-          </a:xfrm>
-          <a:prstGeom prst="rect">
-            <a:avLst/>
-          </a:prstGeom>
+            <a:off x="609480" y="273600"/>
+            <a:ext cx="10972440" cy="1144800"/>
+          </a:xfrm>
+          <a:prstGeom prst="rect">
+            <a:avLst/>
+          </a:prstGeom>
+          <a:noFill/>
+          <a:ln w="0">
+            <a:noFill/>
+          </a:ln>
         </p:spPr>
         <p:txBody>
           <a:bodyPr lIns="0" rIns="0" tIns="0" bIns="0" anchor="ctr">
             <a:noAutofit/>
           </a:bodyPr>
           <a:p>
-            <a:r>
-              <a:rPr b="0" lang="en-US" sz="1800" spc="-1" strike="noStrike">
+            <a:pPr algn="ctr"/>
+            <a:r>
+              <a:rPr b="0" lang="en-US" sz="4400" spc="-1" strike="noStrike">
                 <a:latin typeface="Arial"/>
               </a:rPr>
               <a:t>Click to edit the title text format</a:t>
             </a:r>
-            <a:endParaRPr b="0" lang="en-US" sz="1800" spc="-1" strike="noStrike">
+            <a:endParaRPr b="0" lang="en-US" sz="4400" spc="-1" strike="noStrike">
               <a:latin typeface="Arial"/>
             </a:endParaRPr>
           </a:p>
@@ -1441,14 +1590,18 @@
         <p:spPr>
           <a:xfrm>
             <a:off x="609480" y="1604520"/>
-            <a:ext cx="10972080" cy="3976920"/>
-          </a:xfrm>
-          <a:prstGeom prst="rect">
-            <a:avLst/>
-          </a:prstGeom>
-        </p:spPr>
-        <p:txBody>
-          <a:bodyPr lIns="0" rIns="0" tIns="0" bIns="0">
+            <a:ext cx="10972440" cy="3977280"/>
+          </a:xfrm>
+          <a:prstGeom prst="rect">
+            <a:avLst/>
+          </a:prstGeom>
+          <a:noFill/>
+          <a:ln w="0">
+            <a:noFill/>
+          </a:ln>
+        </p:spPr>
+        <p:txBody>
+          <a:bodyPr lIns="0" rIns="0" tIns="0" bIns="0" anchor="t">
             <a:normAutofit/>
           </a:bodyPr>
           <a:p>
@@ -1464,12 +1617,12 @@
               <a:buChar char=""/>
             </a:pPr>
             <a:r>
-              <a:rPr b="0" lang="en-US" sz="1800" spc="-1" strike="noStrike">
+              <a:rPr b="0" lang="en-US" sz="3200" spc="-1" strike="noStrike">
                 <a:latin typeface="Arial"/>
               </a:rPr>
               <a:t>Click to edit the outline text format</a:t>
             </a:r>
-            <a:endParaRPr b="0" lang="en-US" sz="1800" spc="-1" strike="noStrike">
+            <a:endParaRPr b="0" lang="en-US" sz="3200" spc="-1" strike="noStrike">
               <a:latin typeface="Arial"/>
             </a:endParaRPr>
           </a:p>
@@ -1486,12 +1639,12 @@
               <a:buChar char=""/>
             </a:pPr>
             <a:r>
-              <a:rPr b="0" lang="en-US" sz="1800" spc="-1" strike="noStrike">
+              <a:rPr b="0" lang="en-US" sz="2800" spc="-1" strike="noStrike">
                 <a:latin typeface="Arial"/>
               </a:rPr>
               <a:t>Second Outline Level</a:t>
             </a:r>
-            <a:endParaRPr b="0" lang="en-US" sz="1800" spc="-1" strike="noStrike">
+            <a:endParaRPr b="0" lang="en-US" sz="2800" spc="-1" strike="noStrike">
               <a:latin typeface="Arial"/>
             </a:endParaRPr>
           </a:p>
@@ -1508,12 +1661,12 @@
               <a:buChar char=""/>
             </a:pPr>
             <a:r>
-              <a:rPr b="0" lang="en-US" sz="1800" spc="-1" strike="noStrike">
+              <a:rPr b="0" lang="en-US" sz="2400" spc="-1" strike="noStrike">
                 <a:latin typeface="Arial"/>
               </a:rPr>
               <a:t>Third Outline Level</a:t>
             </a:r>
-            <a:endParaRPr b="0" lang="en-US" sz="1800" spc="-1" strike="noStrike">
+            <a:endParaRPr b="0" lang="en-US" sz="2400" spc="-1" strike="noStrike">
               <a:latin typeface="Arial"/>
             </a:endParaRPr>
           </a:p>
@@ -1530,12 +1683,12 @@
               <a:buChar char=""/>
             </a:pPr>
             <a:r>
-              <a:rPr b="0" lang="en-US" sz="1800" spc="-1" strike="noStrike">
+              <a:rPr b="0" lang="en-US" sz="2000" spc="-1" strike="noStrike">
                 <a:latin typeface="Arial"/>
               </a:rPr>
               <a:t>Fourth Outline Level</a:t>
             </a:r>
-            <a:endParaRPr b="0" lang="en-US" sz="1800" spc="-1" strike="noStrike">
+            <a:endParaRPr b="0" lang="en-US" sz="2000" spc="-1" strike="noStrike">
               <a:latin typeface="Arial"/>
             </a:endParaRPr>
           </a:p>
@@ -1552,12 +1705,12 @@
               <a:buChar char=""/>
             </a:pPr>
             <a:r>
-              <a:rPr b="0" lang="en-US" sz="1800" spc="-1" strike="noStrike">
+              <a:rPr b="0" lang="en-US" sz="2000" spc="-1" strike="noStrike">
                 <a:latin typeface="Arial"/>
               </a:rPr>
               <a:t>Fifth Outline Level</a:t>
             </a:r>
-            <a:endParaRPr b="0" lang="en-US" sz="1800" spc="-1" strike="noStrike">
+            <a:endParaRPr b="0" lang="en-US" sz="2000" spc="-1" strike="noStrike">
               <a:latin typeface="Arial"/>
             </a:endParaRPr>
           </a:p>
@@ -1574,12 +1727,12 @@
               <a:buChar char=""/>
             </a:pPr>
             <a:r>
-              <a:rPr b="0" lang="en-US" sz="1800" spc="-1" strike="noStrike">
+              <a:rPr b="0" lang="en-US" sz="2000" spc="-1" strike="noStrike">
                 <a:latin typeface="Arial"/>
               </a:rPr>
               <a:t>Sixth Outline Level</a:t>
             </a:r>
-            <a:endParaRPr b="0" lang="en-US" sz="1800" spc="-1" strike="noStrike">
+            <a:endParaRPr b="0" lang="en-US" sz="2000" spc="-1" strike="noStrike">
               <a:latin typeface="Arial"/>
             </a:endParaRPr>
           </a:p>
@@ -1596,12 +1749,12 @@
               <a:buChar char=""/>
             </a:pPr>
             <a:r>
-              <a:rPr b="0" lang="en-US" sz="1800" spc="-1" strike="noStrike">
+              <a:rPr b="0" lang="en-US" sz="2000" spc="-1" strike="noStrike">
                 <a:latin typeface="Arial"/>
               </a:rPr>
               <a:t>Seventh Outline Level</a:t>
             </a:r>
-            <a:endParaRPr b="0" lang="en-US" sz="1800" spc="-1" strike="noStrike">
+            <a:endParaRPr b="0" lang="en-US" sz="2000" spc="-1" strike="noStrike">
               <a:latin typeface="Arial"/>
             </a:endParaRPr>
           </a:p>
@@ -1653,7 +1806,7 @@
         <p:spPr>
           <a:xfrm>
             <a:off x="3996360" y="1430280"/>
-            <a:ext cx="3584520" cy="771120"/>
+            <a:ext cx="3584160" cy="770760"/>
           </a:xfrm>
           <a:prstGeom prst="rect">
             <a:avLst/>
@@ -1689,7 +1842,7 @@
         <p:spPr>
           <a:xfrm>
             <a:off x="8563680" y="451800"/>
-            <a:ext cx="886680" cy="5239800"/>
+            <a:ext cx="886320" cy="5239440"/>
           </a:xfrm>
           <a:prstGeom prst="rect">
             <a:avLst/>
@@ -1725,7 +1878,7 @@
         <p:spPr>
           <a:xfrm>
             <a:off x="8550000" y="803160"/>
-            <a:ext cx="887760" cy="0"/>
+            <a:ext cx="887760" cy="360"/>
           </a:xfrm>
           <a:prstGeom prst="line">
             <a:avLst/>
@@ -1758,7 +1911,7 @@
         <p:spPr>
           <a:xfrm>
             <a:off x="8563320" y="1167480"/>
-            <a:ext cx="887760" cy="0"/>
+            <a:ext cx="887760" cy="360"/>
           </a:xfrm>
           <a:prstGeom prst="line">
             <a:avLst/>
@@ -1791,7 +1944,7 @@
         <p:spPr>
           <a:xfrm>
             <a:off x="8563680" y="2375280"/>
-            <a:ext cx="887400" cy="0"/>
+            <a:ext cx="887400" cy="360"/>
           </a:xfrm>
           <a:prstGeom prst="line">
             <a:avLst/>
@@ -1824,7 +1977,7 @@
         <p:spPr>
           <a:xfrm>
             <a:off x="8563320" y="2833200"/>
-            <a:ext cx="887760" cy="0"/>
+            <a:ext cx="887760" cy="360"/>
           </a:xfrm>
           <a:prstGeom prst="line">
             <a:avLst/>
@@ -1857,7 +2010,7 @@
         <p:spPr>
           <a:xfrm>
             <a:off x="8550000" y="3250080"/>
-            <a:ext cx="887760" cy="0"/>
+            <a:ext cx="887760" cy="360"/>
           </a:xfrm>
           <a:prstGeom prst="line">
             <a:avLst/>
@@ -1890,7 +2043,7 @@
         <p:spPr>
           <a:xfrm>
             <a:off x="8563320" y="3687480"/>
-            <a:ext cx="887760" cy="0"/>
+            <a:ext cx="887760" cy="360"/>
           </a:xfrm>
           <a:prstGeom prst="line">
             <a:avLst/>
@@ -1923,7 +2076,7 @@
         <p:spPr>
           <a:xfrm>
             <a:off x="8563320" y="4120200"/>
-            <a:ext cx="887760" cy="0"/>
+            <a:ext cx="887760" cy="360"/>
           </a:xfrm>
           <a:prstGeom prst="line">
             <a:avLst/>
@@ -1956,7 +2109,7 @@
         <p:spPr>
           <a:xfrm>
             <a:off x="8563320" y="4548960"/>
-            <a:ext cx="887760" cy="0"/>
+            <a:ext cx="887760" cy="360"/>
           </a:xfrm>
           <a:prstGeom prst="line">
             <a:avLst/>
@@ -1988,8 +2141,8 @@
         </p:nvSpPr>
         <p:spPr>
           <a:xfrm rot="5400000">
-            <a:off x="8596800" y="1794600"/>
-            <a:ext cx="919800" cy="363960"/>
+            <a:off x="8825400" y="1872720"/>
+            <a:ext cx="462240" cy="363960"/>
           </a:xfrm>
           <a:prstGeom prst="rect">
             <a:avLst/>
@@ -2006,7 +2159,7 @@
           <a:fontRef idx="minor"/>
         </p:style>
         <p:txBody>
-          <a:bodyPr lIns="90000" rIns="90000" tIns="45000" bIns="45000">
+          <a:bodyPr lIns="90000" rIns="90000" tIns="45000" bIns="45000" anchor="t">
             <a:spAutoFit/>
           </a:bodyPr>
           <a:p>
@@ -2023,7 +2176,7 @@
                 <a:latin typeface="Calibri"/>
                 <a:ea typeface="DejaVu Sans"/>
               </a:rPr>
-              <a:t>............</a:t>
+              <a:t>...</a:t>
             </a:r>
             <a:endParaRPr b="0" lang="en-US" sz="1800" spc="-1" strike="noStrike">
               <a:latin typeface="Arial"/>
@@ -2039,8 +2192,8 @@
         </p:nvSpPr>
         <p:spPr>
           <a:xfrm rot="5400000">
-            <a:off x="8574840" y="4889880"/>
-            <a:ext cx="874800" cy="364320"/>
+            <a:off x="8906760" y="4887720"/>
+            <a:ext cx="354600" cy="364320"/>
           </a:xfrm>
           <a:prstGeom prst="rect">
             <a:avLst/>
@@ -2057,7 +2210,7 @@
           <a:fontRef idx="minor"/>
         </p:style>
         <p:txBody>
-          <a:bodyPr wrap="none" lIns="90000" rIns="90000" tIns="45000" bIns="45000">
+          <a:bodyPr wrap="none" lIns="90000" rIns="90000" tIns="45000" bIns="45000" anchor="t">
             <a:spAutoFit/>
           </a:bodyPr>
           <a:p>
@@ -2074,7 +2227,7 @@
                 <a:latin typeface="Calibri"/>
                 <a:ea typeface="DejaVu Sans"/>
               </a:rPr>
-              <a:t>............</a:t>
+              <a:t>...</a:t>
             </a:r>
             <a:endParaRPr b="0" lang="en-US" sz="1800" spc="-1" strike="noStrike">
               <a:latin typeface="Arial"/>
@@ -2091,7 +2244,7 @@
         <p:spPr>
           <a:xfrm>
             <a:off x="3280320" y="4343040"/>
-            <a:ext cx="813240" cy="638280"/>
+            <a:ext cx="812880" cy="638280"/>
           </a:xfrm>
           <a:prstGeom prst="rect">
             <a:avLst/>
@@ -2108,7 +2261,7 @@
           <a:fontRef idx="minor"/>
         </p:style>
         <p:txBody>
-          <a:bodyPr lIns="90000" rIns="90000" tIns="45000" bIns="45000">
+          <a:bodyPr lIns="90000" rIns="90000" tIns="45000" bIns="45000" anchor="t">
             <a:spAutoFit/>
           </a:bodyPr>
           <a:p>
@@ -2172,7 +2325,7 @@
         <p:spPr>
           <a:xfrm>
             <a:off x="7179840" y="4303800"/>
-            <a:ext cx="803520" cy="638280"/>
+            <a:ext cx="803160" cy="638280"/>
           </a:xfrm>
           <a:prstGeom prst="rect">
             <a:avLst/>
@@ -2189,7 +2342,7 @@
           <a:fontRef idx="minor"/>
         </p:style>
         <p:txBody>
-          <a:bodyPr wrap="none" lIns="90000" rIns="90000" tIns="45000" bIns="45000">
+          <a:bodyPr wrap="none" lIns="90000" rIns="90000" tIns="45000" bIns="45000" anchor="t">
             <a:spAutoFit/>
           </a:bodyPr>
           <a:p>
@@ -2253,7 +2406,7 @@
         <p:spPr>
           <a:xfrm>
             <a:off x="5174280" y="1430280"/>
-            <a:ext cx="0" cy="771840"/>
+            <a:ext cx="360" cy="771840"/>
           </a:xfrm>
           <a:prstGeom prst="line">
             <a:avLst/>
@@ -2286,7 +2439,7 @@
         <p:spPr>
           <a:xfrm>
             <a:off x="6247800" y="1430280"/>
-            <a:ext cx="0" cy="771840"/>
+            <a:ext cx="360" cy="771840"/>
           </a:xfrm>
           <a:prstGeom prst="line">
             <a:avLst/>
@@ -2319,7 +2472,7 @@
         <p:spPr>
           <a:xfrm>
             <a:off x="6304320" y="1486800"/>
-            <a:ext cx="1279800" cy="638280"/>
+            <a:ext cx="1279440" cy="638280"/>
           </a:xfrm>
           <a:prstGeom prst="rect">
             <a:avLst/>
@@ -2336,7 +2489,7 @@
           <a:fontRef idx="minor"/>
         </p:style>
         <p:txBody>
-          <a:bodyPr lIns="90000" rIns="90000" tIns="45000" bIns="45000">
+          <a:bodyPr lIns="90000" rIns="90000" tIns="45000" bIns="45000" anchor="t">
             <a:spAutoFit/>
           </a:bodyPr>
           <a:p>
@@ -2353,7 +2506,7 @@
                 <a:latin typeface="Calibri"/>
                 <a:ea typeface="DejaVu Sans"/>
               </a:rPr>
-              <a:t>starting</a:t>
+              <a:t>Starting</a:t>
             </a:r>
             <a:endParaRPr b="0" lang="en-US" sz="1800" spc="-1" strike="noStrike">
               <a:latin typeface="Arial"/>
@@ -2390,7 +2543,7 @@
         <p:spPr>
           <a:xfrm>
             <a:off x="5267880" y="1504080"/>
-            <a:ext cx="842040" cy="638280"/>
+            <a:ext cx="841680" cy="638280"/>
           </a:xfrm>
           <a:prstGeom prst="rect">
             <a:avLst/>
@@ -2407,7 +2560,7 @@
           <a:fontRef idx="minor"/>
         </p:style>
         <p:txBody>
-          <a:bodyPr lIns="90000" rIns="90000" tIns="45000" bIns="45000">
+          <a:bodyPr lIns="90000" rIns="90000" tIns="45000" bIns="45000" anchor="t">
             <a:spAutoFit/>
           </a:bodyPr>
           <a:p>
@@ -2424,7 +2577,7 @@
                 <a:latin typeface="Calibri"/>
                 <a:ea typeface="DejaVu Sans"/>
               </a:rPr>
-              <a:t>size of </a:t>
+              <a:t>Size of </a:t>
             </a:r>
             <a:endParaRPr b="0" lang="en-US" sz="1800" spc="-1" strike="noStrike">
               <a:latin typeface="Arial"/>
@@ -2461,7 +2614,7 @@
         <p:spPr>
           <a:xfrm>
             <a:off x="4062240" y="1530360"/>
-            <a:ext cx="979920" cy="363960"/>
+            <a:ext cx="979560" cy="363960"/>
           </a:xfrm>
           <a:prstGeom prst="rect">
             <a:avLst/>
@@ -2478,7 +2631,7 @@
           <a:fontRef idx="minor"/>
         </p:style>
         <p:txBody>
-          <a:bodyPr lIns="90000" rIns="90000" tIns="45000" bIns="45000">
+          <a:bodyPr lIns="90000" rIns="90000" tIns="45000" bIns="45000" anchor="t">
             <a:spAutoFit/>
           </a:bodyPr>
           <a:p>
@@ -2521,8 +2674,8 @@
         </p:nvSpPr>
         <p:spPr>
           <a:xfrm>
-            <a:off x="8570160" y="5844960"/>
-            <a:ext cx="1018440" cy="363960"/>
+            <a:off x="8560440" y="5844960"/>
+            <a:ext cx="1037520" cy="363960"/>
           </a:xfrm>
           <a:prstGeom prst="rect">
             <a:avLst/>
@@ -2539,7 +2692,7 @@
           <a:fontRef idx="minor"/>
         </p:style>
         <p:txBody>
-          <a:bodyPr wrap="none" lIns="90000" rIns="90000" tIns="45000" bIns="45000">
+          <a:bodyPr wrap="none" lIns="90000" rIns="90000" tIns="45000" bIns="45000" anchor="t">
             <a:spAutoFit/>
           </a:bodyPr>
           <a:p>
@@ -2556,7 +2709,7 @@
                 <a:latin typeface="Calibri"/>
                 <a:ea typeface="DejaVu Sans"/>
               </a:rPr>
-              <a:t>FAT table</a:t>
+              <a:t>FAT Table</a:t>
             </a:r>
             <a:endParaRPr b="0" lang="en-US" sz="1800" spc="-1" strike="noStrike">
               <a:latin typeface="Arial"/>
@@ -2573,7 +2726,7 @@
         <p:spPr>
           <a:xfrm>
             <a:off x="9497520" y="2401200"/>
-            <a:ext cx="1186200" cy="363960"/>
+            <a:ext cx="1185840" cy="363960"/>
           </a:xfrm>
           <a:prstGeom prst="rect">
             <a:avLst/>
@@ -2590,7 +2743,7 @@
           <a:fontRef idx="minor"/>
         </p:style>
         <p:txBody>
-          <a:bodyPr wrap="none" lIns="90000" rIns="90000" tIns="45000" bIns="45000">
+          <a:bodyPr wrap="none" lIns="90000" rIns="90000" tIns="45000" bIns="45000" anchor="t">
             <a:spAutoFit/>
           </a:bodyPr>
           <a:p>
@@ -2661,7 +2814,7 @@
           <a:fontRef idx="minor"/>
         </p:style>
         <p:txBody>
-          <a:bodyPr wrap="none" lIns="90000" rIns="90000" tIns="45000" bIns="45000">
+          <a:bodyPr wrap="none" lIns="90000" rIns="90000" tIns="45000" bIns="45000" anchor="t">
             <a:spAutoFit/>
           </a:bodyPr>
           <a:p>
@@ -2732,7 +2885,7 @@
           <a:fontRef idx="minor"/>
         </p:style>
         <p:txBody>
-          <a:bodyPr wrap="none" lIns="90000" rIns="90000" tIns="45000" bIns="45000">
+          <a:bodyPr wrap="none" lIns="90000" rIns="90000" tIns="45000" bIns="45000" anchor="t">
             <a:spAutoFit/>
           </a:bodyPr>
           <a:p>
@@ -2786,7 +2939,7 @@
         <p:spPr>
           <a:xfrm>
             <a:off x="9497520" y="4150800"/>
-            <a:ext cx="1186200" cy="363960"/>
+            <a:ext cx="1185840" cy="363960"/>
           </a:xfrm>
           <a:prstGeom prst="rect">
             <a:avLst/>
@@ -2803,7 +2956,7 @@
           <a:fontRef idx="minor"/>
         </p:style>
         <p:txBody>
-          <a:bodyPr wrap="none" lIns="90000" rIns="90000" tIns="45000" bIns="45000">
+          <a:bodyPr wrap="none" lIns="90000" rIns="90000" tIns="45000" bIns="45000" anchor="t">
             <a:spAutoFit/>
           </a:bodyPr>
           <a:p>
@@ -2850,14 +3003,14 @@
       </p:sp>
       <p:sp>
         <p:nvSpPr>
-          <p:cNvPr id="62" name="TextBox 35"/>
+          <p:cNvPr id="62" name="TextBox 36"/>
           <p:cNvSpPr/>
           <p:nvPr/>
         </p:nvSpPr>
         <p:spPr>
           <a:xfrm>
-            <a:off x="8845200" y="2833200"/>
-            <a:ext cx="296280" cy="363960"/>
+            <a:off x="8863200" y="2418480"/>
+            <a:ext cx="295920" cy="363960"/>
           </a:xfrm>
           <a:prstGeom prst="rect">
             <a:avLst/>
@@ -2874,7 +3027,7 @@
           <a:fontRef idx="minor"/>
         </p:style>
         <p:txBody>
-          <a:bodyPr wrap="none" lIns="90000" rIns="90000" tIns="45000" bIns="45000">
+          <a:bodyPr wrap="none" lIns="90000" rIns="90000" tIns="45000" bIns="45000" anchor="t">
             <a:spAutoFit/>
           </a:bodyPr>
           <a:p>
@@ -2901,14 +3054,14 @@
       </p:sp>
       <p:sp>
         <p:nvSpPr>
-          <p:cNvPr id="63" name="TextBox 36"/>
+          <p:cNvPr id="63" name="TextBox 39"/>
           <p:cNvSpPr/>
           <p:nvPr/>
         </p:nvSpPr>
         <p:spPr>
           <a:xfrm>
-            <a:off x="8827200" y="2382480"/>
-            <a:ext cx="296280" cy="363960"/>
+            <a:off x="4320000" y="991440"/>
+            <a:ext cx="2800440" cy="363960"/>
           </a:xfrm>
           <a:prstGeom prst="rect">
             <a:avLst/>
@@ -2925,7 +3078,7 @@
           <a:fontRef idx="minor"/>
         </p:style>
         <p:txBody>
-          <a:bodyPr wrap="none" lIns="90000" rIns="90000" tIns="45000" bIns="45000">
+          <a:bodyPr lIns="90000" rIns="90000" tIns="45000" bIns="45000" anchor="t">
             <a:spAutoFit/>
           </a:bodyPr>
           <a:p>
@@ -2935,6 +3088,16 @@
               </a:lnSpc>
             </a:pPr>
             <a:r>
+              <a:rPr b="0" i="1" lang="en-US" sz="1800" spc="-1" strike="noStrike">
+                <a:solidFill>
+                  <a:srgbClr val="000000"/>
+                </a:solidFill>
+                <a:latin typeface="Calibri"/>
+                <a:ea typeface="DejaVu Sans"/>
+              </a:rPr>
+              <a:t>Directory entry</a:t>
+            </a:r>
+            <a:r>
               <a:rPr b="0" lang="en-US" sz="1800" spc="-1" strike="noStrike">
                 <a:solidFill>
                   <a:srgbClr val="000000"/>
@@ -2942,7 +3105,17 @@
                 <a:latin typeface="Calibri"/>
                 <a:ea typeface="DejaVu Sans"/>
               </a:rPr>
-              <a:t>0</a:t>
+              <a:t> of file </a:t>
+            </a:r>
+            <a:r>
+              <a:rPr b="0" i="1" lang="en-US" sz="1800" spc="-1" strike="noStrike">
+                <a:solidFill>
+                  <a:srgbClr val="0070c0"/>
+                </a:solidFill>
+                <a:latin typeface="Calibri"/>
+                <a:ea typeface="DejaVu Sans"/>
+              </a:rPr>
+              <a:t>bar.txt</a:t>
             </a:r>
             <a:endParaRPr b="0" lang="en-US" sz="1800" spc="-1" strike="noStrike">
               <a:latin typeface="Arial"/>
@@ -2952,197 +3125,14 @@
       </p:sp>
       <p:sp>
         <p:nvSpPr>
-          <p:cNvPr id="64" name="TextBox 37"/>
+          <p:cNvPr id="64" name="Elbow Connector 41"/>
           <p:cNvSpPr/>
           <p:nvPr/>
         </p:nvSpPr>
         <p:spPr>
-          <a:xfrm>
-            <a:off x="8765280" y="3669480"/>
-            <a:ext cx="348120" cy="363960"/>
-          </a:xfrm>
-          <a:prstGeom prst="rect">
-            <a:avLst/>
-          </a:prstGeom>
-          <a:noFill/>
-          <a:ln w="0">
-            <a:noFill/>
-          </a:ln>
-        </p:spPr>
-        <p:style>
-          <a:lnRef idx="0"/>
-          <a:fillRef idx="0"/>
-          <a:effectRef idx="0"/>
-          <a:fontRef idx="minor"/>
-        </p:style>
-        <p:txBody>
-          <a:bodyPr wrap="none" lIns="90000" rIns="90000" tIns="45000" bIns="45000">
-            <a:spAutoFit/>
-          </a:bodyPr>
-          <a:p>
-            <a:pPr>
-              <a:lnSpc>
-                <a:spcPct val="100000"/>
-              </a:lnSpc>
-            </a:pPr>
-            <a:r>
-              <a:rPr b="0" lang="en-US" sz="1800" spc="-1" strike="noStrike">
-                <a:solidFill>
-                  <a:srgbClr val="000000"/>
-                </a:solidFill>
-                <a:latin typeface="Calibri"/>
-                <a:ea typeface="DejaVu Sans"/>
-              </a:rPr>
-              <a:t> </a:t>
-            </a:r>
-            <a:r>
-              <a:rPr b="0" lang="en-US" sz="1800" spc="-1" strike="noStrike">
-                <a:solidFill>
-                  <a:srgbClr val="000000"/>
-                </a:solidFill>
-                <a:latin typeface="Calibri"/>
-                <a:ea typeface="DejaVu Sans"/>
-              </a:rPr>
-              <a:t>0</a:t>
-            </a:r>
-            <a:endParaRPr b="0" lang="en-US" sz="1800" spc="-1" strike="noStrike">
-              <a:latin typeface="Arial"/>
-            </a:endParaRPr>
-          </a:p>
-        </p:txBody>
-      </p:sp>
-      <p:sp>
-        <p:nvSpPr>
-          <p:cNvPr id="65" name="TextBox 38"/>
-          <p:cNvSpPr/>
-          <p:nvPr/>
-        </p:nvSpPr>
-        <p:spPr>
-          <a:xfrm>
-            <a:off x="8809920" y="4117320"/>
-            <a:ext cx="296280" cy="363960"/>
-          </a:xfrm>
-          <a:prstGeom prst="rect">
-            <a:avLst/>
-          </a:prstGeom>
-          <a:noFill/>
-          <a:ln w="0">
-            <a:noFill/>
-          </a:ln>
-        </p:spPr>
-        <p:style>
-          <a:lnRef idx="0"/>
-          <a:fillRef idx="0"/>
-          <a:effectRef idx="0"/>
-          <a:fontRef idx="minor"/>
-        </p:style>
-        <p:txBody>
-          <a:bodyPr wrap="none" lIns="90000" rIns="90000" tIns="45000" bIns="45000">
-            <a:spAutoFit/>
-          </a:bodyPr>
-          <a:p>
-            <a:pPr>
-              <a:lnSpc>
-                <a:spcPct val="100000"/>
-              </a:lnSpc>
-            </a:pPr>
-            <a:r>
-              <a:rPr b="0" lang="en-US" sz="1800" spc="-1" strike="noStrike">
-                <a:solidFill>
-                  <a:srgbClr val="000000"/>
-                </a:solidFill>
-                <a:latin typeface="Calibri"/>
-                <a:ea typeface="DejaVu Sans"/>
-              </a:rPr>
-              <a:t>0</a:t>
-            </a:r>
-            <a:endParaRPr b="0" lang="en-US" sz="1800" spc="-1" strike="noStrike">
-              <a:latin typeface="Arial"/>
-            </a:endParaRPr>
-          </a:p>
-        </p:txBody>
-      </p:sp>
-      <p:sp>
-        <p:nvSpPr>
-          <p:cNvPr id="66" name="TextBox 39"/>
-          <p:cNvSpPr/>
-          <p:nvPr/>
-        </p:nvSpPr>
-        <p:spPr>
-          <a:xfrm>
-            <a:off x="4320000" y="991440"/>
-            <a:ext cx="2800800" cy="363960"/>
-          </a:xfrm>
-          <a:prstGeom prst="rect">
-            <a:avLst/>
-          </a:prstGeom>
-          <a:noFill/>
-          <a:ln w="0">
-            <a:noFill/>
-          </a:ln>
-        </p:spPr>
-        <p:style>
-          <a:lnRef idx="0"/>
-          <a:fillRef idx="0"/>
-          <a:effectRef idx="0"/>
-          <a:fontRef idx="minor"/>
-        </p:style>
-        <p:txBody>
-          <a:bodyPr lIns="90000" rIns="90000" tIns="45000" bIns="45000">
-            <a:spAutoFit/>
-          </a:bodyPr>
-          <a:p>
-            <a:pPr>
-              <a:lnSpc>
-                <a:spcPct val="100000"/>
-              </a:lnSpc>
-            </a:pPr>
-            <a:r>
-              <a:rPr b="0" i="1" lang="en-US" sz="1800" spc="-1" strike="noStrike">
-                <a:solidFill>
-                  <a:srgbClr val="000000"/>
-                </a:solidFill>
-                <a:latin typeface="Calibri"/>
-                <a:ea typeface="DejaVu Sans"/>
-              </a:rPr>
-              <a:t>directory entry</a:t>
-            </a:r>
-            <a:r>
-              <a:rPr b="0" lang="en-US" sz="1800" spc="-1" strike="noStrike">
-                <a:solidFill>
-                  <a:srgbClr val="000000"/>
-                </a:solidFill>
-                <a:latin typeface="Calibri"/>
-                <a:ea typeface="DejaVu Sans"/>
-              </a:rPr>
-              <a:t> of file </a:t>
-            </a:r>
-            <a:r>
-              <a:rPr b="0" i="1" lang="en-US" sz="1800" spc="-1" strike="noStrike">
-                <a:solidFill>
-                  <a:srgbClr val="0070c0"/>
-                </a:solidFill>
-                <a:latin typeface="Calibri"/>
-                <a:ea typeface="DejaVu Sans"/>
-              </a:rPr>
-              <a:t>bar.txt</a:t>
-            </a:r>
-            <a:endParaRPr b="0" lang="en-US" sz="1800" spc="-1" strike="noStrike">
-              <a:latin typeface="Arial"/>
-            </a:endParaRPr>
-          </a:p>
-        </p:txBody>
-      </p:sp>
-      <p:sp>
-        <p:nvSpPr>
-          <p:cNvPr id="67" name="Elbow Connector 41"/>
-          <p:cNvSpPr/>
-          <p:nvPr/>
-        </p:nvSpPr>
-        <p:spPr>
           <a:xfrm rot="5400000">
-            <a:off x="3451680" y="2481480"/>
-            <a:ext cx="1060920" cy="475200"/>
+            <a:off x="3452040" y="2481480"/>
+            <a:ext cx="1060560" cy="474840"/>
           </a:xfrm>
           <a:prstGeom prst="bentConnector3">
             <a:avLst>
@@ -3172,14 +3162,14 @@
       </p:sp>
       <p:sp>
         <p:nvSpPr>
-          <p:cNvPr id="68" name="Rounded Rectangle 42"/>
+          <p:cNvPr id="65" name="Rounded Rectangle 42"/>
           <p:cNvSpPr/>
           <p:nvPr/>
         </p:nvSpPr>
         <p:spPr>
           <a:xfrm>
             <a:off x="3395880" y="3250800"/>
-            <a:ext cx="694080" cy="1003320"/>
+            <a:ext cx="693720" cy="1002960"/>
           </a:xfrm>
           <a:prstGeom prst="roundRect">
             <a:avLst>
@@ -3217,14 +3207,14 @@
       </p:sp>
       <p:sp>
         <p:nvSpPr>
-          <p:cNvPr id="69" name="Rounded Rectangle 44"/>
+          <p:cNvPr id="66" name="Rounded Rectangle 44"/>
           <p:cNvSpPr/>
           <p:nvPr/>
         </p:nvSpPr>
         <p:spPr>
           <a:xfrm>
             <a:off x="4318200" y="3252960"/>
-            <a:ext cx="694080" cy="1003320"/>
+            <a:ext cx="693720" cy="1002960"/>
           </a:xfrm>
           <a:prstGeom prst="roundRect">
             <a:avLst>
@@ -3262,14 +3252,14 @@
       </p:sp>
       <p:sp>
         <p:nvSpPr>
-          <p:cNvPr id="70" name="Rounded Rectangle 45"/>
+          <p:cNvPr id="67" name="Rounded Rectangle 45"/>
           <p:cNvSpPr/>
           <p:nvPr/>
         </p:nvSpPr>
         <p:spPr>
           <a:xfrm>
             <a:off x="7175160" y="3252960"/>
-            <a:ext cx="694080" cy="1003320"/>
+            <a:ext cx="693720" cy="1002960"/>
           </a:xfrm>
           <a:prstGeom prst="roundRect">
             <a:avLst>
@@ -3307,14 +3297,14 @@
       </p:sp>
       <p:sp>
         <p:nvSpPr>
-          <p:cNvPr id="71" name="TextBox 46"/>
+          <p:cNvPr id="68" name="TextBox 46"/>
           <p:cNvSpPr/>
           <p:nvPr/>
         </p:nvSpPr>
         <p:spPr>
           <a:xfrm>
             <a:off x="4259880" y="4343040"/>
-            <a:ext cx="813240" cy="638280"/>
+            <a:ext cx="812880" cy="638280"/>
           </a:xfrm>
           <a:prstGeom prst="rect">
             <a:avLst/>
@@ -3331,7 +3321,7 @@
           <a:fontRef idx="minor"/>
         </p:style>
         <p:txBody>
-          <a:bodyPr lIns="90000" rIns="90000" tIns="45000" bIns="45000">
+          <a:bodyPr lIns="90000" rIns="90000" tIns="45000" bIns="45000" anchor="t">
             <a:spAutoFit/>
           </a:bodyPr>
           <a:p>
@@ -3388,14 +3378,14 @@
       </p:sp>
       <p:sp>
         <p:nvSpPr>
-          <p:cNvPr id="72" name="TextBox 74"/>
+          <p:cNvPr id="69" name="TextBox 74"/>
           <p:cNvSpPr/>
           <p:nvPr/>
         </p:nvSpPr>
         <p:spPr>
           <a:xfrm>
             <a:off x="5103000" y="5778000"/>
-            <a:ext cx="1094760" cy="363960"/>
+            <a:ext cx="1094400" cy="363960"/>
           </a:xfrm>
           <a:prstGeom prst="rect">
             <a:avLst/>
@@ -3412,7 +3402,7 @@
           <a:fontRef idx="minor"/>
         </p:style>
         <p:txBody>
-          <a:bodyPr wrap="none" lIns="90000" rIns="90000" tIns="45000" bIns="45000">
+          <a:bodyPr wrap="none" lIns="90000" rIns="90000" tIns="45000" bIns="45000" anchor="t">
             <a:spAutoFit/>
           </a:bodyPr>
           <a:p>
@@ -3439,14 +3429,14 @@
       </p:sp>
       <p:sp>
         <p:nvSpPr>
-          <p:cNvPr id="73" name="Rectangle 75"/>
+          <p:cNvPr id="70" name="Rectangle 75"/>
           <p:cNvSpPr/>
           <p:nvPr/>
         </p:nvSpPr>
         <p:spPr>
           <a:xfrm>
             <a:off x="3219840" y="451800"/>
-            <a:ext cx="4789800" cy="5239800"/>
+            <a:ext cx="4789440" cy="5239440"/>
           </a:xfrm>
           <a:prstGeom prst="rect">
             <a:avLst/>
@@ -3475,14 +3465,14 @@
       </p:sp>
       <p:sp>
         <p:nvSpPr>
-          <p:cNvPr id="74" name="Straight Connector 78"/>
+          <p:cNvPr id="71" name="Straight Connector 78"/>
           <p:cNvSpPr/>
           <p:nvPr/>
         </p:nvSpPr>
         <p:spPr>
           <a:xfrm>
             <a:off x="8550000" y="1541160"/>
-            <a:ext cx="887760" cy="0"/>
+            <a:ext cx="887760" cy="360"/>
           </a:xfrm>
           <a:prstGeom prst="line">
             <a:avLst/>
@@ -3508,14 +3498,14 @@
       </p:sp>
       <p:sp>
         <p:nvSpPr>
-          <p:cNvPr id="75" name="Rounded Rectangle 43"/>
+          <p:cNvPr id="72" name="Rounded Rectangle 43"/>
           <p:cNvSpPr/>
           <p:nvPr/>
         </p:nvSpPr>
         <p:spPr>
           <a:xfrm>
             <a:off x="5300640" y="3250080"/>
-            <a:ext cx="694080" cy="1003320"/>
+            <a:ext cx="693720" cy="1002960"/>
           </a:xfrm>
           <a:prstGeom prst="roundRect">
             <a:avLst>
@@ -3553,14 +3543,14 @@
       </p:sp>
       <p:sp>
         <p:nvSpPr>
-          <p:cNvPr id="76" name="Rounded Rectangle 47"/>
+          <p:cNvPr id="73" name="Rounded Rectangle 47"/>
           <p:cNvSpPr/>
           <p:nvPr/>
         </p:nvSpPr>
         <p:spPr>
           <a:xfrm>
             <a:off x="6222960" y="3252240"/>
-            <a:ext cx="694080" cy="1003320"/>
+            <a:ext cx="693720" cy="1002960"/>
           </a:xfrm>
           <a:prstGeom prst="roundRect">
             <a:avLst>
@@ -3598,14 +3588,14 @@
       </p:sp>
       <p:sp>
         <p:nvSpPr>
-          <p:cNvPr id="77" name="TextBox 49"/>
+          <p:cNvPr id="74" name="TextBox 49"/>
           <p:cNvSpPr/>
           <p:nvPr/>
         </p:nvSpPr>
         <p:spPr>
           <a:xfrm>
             <a:off x="6164640" y="4342320"/>
-            <a:ext cx="813240" cy="638280"/>
+            <a:ext cx="812880" cy="638280"/>
           </a:xfrm>
           <a:prstGeom prst="rect">
             <a:avLst/>
@@ -3622,7 +3612,7 @@
           <a:fontRef idx="minor"/>
         </p:style>
         <p:txBody>
-          <a:bodyPr lIns="90000" rIns="90000" tIns="45000" bIns="45000">
+          <a:bodyPr lIns="90000" rIns="90000" tIns="45000" bIns="45000" anchor="t">
             <a:spAutoFit/>
           </a:bodyPr>
           <a:p>
@@ -3679,14 +3669,14 @@
       </p:sp>
       <p:sp>
         <p:nvSpPr>
-          <p:cNvPr id="78" name="TextBox 50"/>
+          <p:cNvPr id="75" name="TextBox 50"/>
           <p:cNvSpPr/>
           <p:nvPr/>
         </p:nvSpPr>
         <p:spPr>
           <a:xfrm>
             <a:off x="5250240" y="4342320"/>
-            <a:ext cx="813240" cy="638280"/>
+            <a:ext cx="812880" cy="638280"/>
           </a:xfrm>
           <a:prstGeom prst="rect">
             <a:avLst/>
@@ -3703,7 +3693,7 @@
           <a:fontRef idx="minor"/>
         </p:style>
         <p:txBody>
-          <a:bodyPr lIns="90000" rIns="90000" tIns="45000" bIns="45000">
+          <a:bodyPr lIns="90000" rIns="90000" tIns="45000" bIns="45000" anchor="t">
             <a:spAutoFit/>
           </a:bodyPr>
           <a:p>
@@ -3760,14 +3750,14 @@
       </p:sp>
       <p:sp>
         <p:nvSpPr>
-          <p:cNvPr id="79" name="TextBox 52"/>
+          <p:cNvPr id="76" name="TextBox 53"/>
           <p:cNvSpPr/>
           <p:nvPr/>
         </p:nvSpPr>
         <p:spPr>
           <a:xfrm>
-            <a:off x="8827200" y="3307680"/>
-            <a:ext cx="296280" cy="363960"/>
+            <a:off x="9485280" y="3275280"/>
+            <a:ext cx="1211040" cy="363960"/>
           </a:xfrm>
           <a:prstGeom prst="rect">
             <a:avLst/>
@@ -3784,7 +3774,7 @@
           <a:fontRef idx="minor"/>
         </p:style>
         <p:txBody>
-          <a:bodyPr wrap="none" lIns="90000" rIns="90000" tIns="45000" bIns="45000">
+          <a:bodyPr wrap="none" lIns="90000" rIns="90000" tIns="45000" bIns="45000" anchor="t">
             <a:spAutoFit/>
           </a:bodyPr>
           <a:p>
@@ -3801,7 +3791,27 @@
                 <a:latin typeface="Calibri"/>
                 <a:ea typeface="DejaVu Sans"/>
               </a:rPr>
-              <a:t>0</a:t>
+              <a:t>202</a:t>
+            </a:r>
+            <a:r>
+              <a:rPr b="0" lang="en-US" sz="1800" spc="-1" strike="noStrike" baseline="30000">
+                <a:solidFill>
+                  <a:srgbClr val="000000"/>
+                </a:solidFill>
+                <a:latin typeface="Calibri"/>
+                <a:ea typeface="DejaVu Sans"/>
+              </a:rPr>
+              <a:t>nd</a:t>
+            </a:r>
+            <a:r>
+              <a:rPr b="0" lang="en-US" sz="1800" spc="-1" strike="noStrike">
+                <a:solidFill>
+                  <a:srgbClr val="000000"/>
+                </a:solidFill>
+                <a:latin typeface="Calibri"/>
+                <a:ea typeface="DejaVu Sans"/>
+              </a:rPr>
+              <a:t> entry</a:t>
             </a:r>
             <a:endParaRPr b="0" lang="en-US" sz="1800" spc="-1" strike="noStrike">
               <a:latin typeface="Arial"/>
@@ -3811,14 +3821,14 @@
       </p:sp>
       <p:sp>
         <p:nvSpPr>
-          <p:cNvPr id="80" name="TextBox 53"/>
+          <p:cNvPr id="77" name="TextBox 1"/>
           <p:cNvSpPr/>
           <p:nvPr/>
         </p:nvSpPr>
         <p:spPr>
           <a:xfrm>
-            <a:off x="9485280" y="3275280"/>
-            <a:ext cx="1211040" cy="363960"/>
+            <a:off x="8863200" y="2850480"/>
+            <a:ext cx="295920" cy="363960"/>
           </a:xfrm>
           <a:prstGeom prst="rect">
             <a:avLst/>
@@ -3835,7 +3845,7 @@
           <a:fontRef idx="minor"/>
         </p:style>
         <p:txBody>
-          <a:bodyPr wrap="none" lIns="90000" rIns="90000" tIns="45000" bIns="45000">
+          <a:bodyPr wrap="none" lIns="90000" rIns="90000" tIns="45000" bIns="45000" anchor="t">
             <a:spAutoFit/>
           </a:bodyPr>
           <a:p>
@@ -3852,18 +3862,49 @@
                 <a:latin typeface="Calibri"/>
                 <a:ea typeface="DejaVu Sans"/>
               </a:rPr>
-              <a:t>202</a:t>
-            </a:r>
-            <a:r>
-              <a:rPr b="0" lang="en-US" sz="1800" spc="-1" strike="noStrike" baseline="30000">
-                <a:solidFill>
-                  <a:srgbClr val="000000"/>
-                </a:solidFill>
-                <a:latin typeface="Calibri"/>
-                <a:ea typeface="DejaVu Sans"/>
-              </a:rPr>
-              <a:t>nd</a:t>
-            </a:r>
+              <a:t>0</a:t>
+            </a:r>
+            <a:endParaRPr b="0" lang="en-US" sz="1800" spc="-1" strike="noStrike">
+              <a:latin typeface="Arial"/>
+            </a:endParaRPr>
+          </a:p>
+        </p:txBody>
+      </p:sp>
+      <p:sp>
+        <p:nvSpPr>
+          <p:cNvPr id="78" name="TextBox 2"/>
+          <p:cNvSpPr/>
+          <p:nvPr/>
+        </p:nvSpPr>
+        <p:spPr>
+          <a:xfrm>
+            <a:off x="8863200" y="3282480"/>
+            <a:ext cx="295920" cy="363960"/>
+          </a:xfrm>
+          <a:prstGeom prst="rect">
+            <a:avLst/>
+          </a:prstGeom>
+          <a:noFill/>
+          <a:ln w="0">
+            <a:noFill/>
+          </a:ln>
+        </p:spPr>
+        <p:style>
+          <a:lnRef idx="0"/>
+          <a:fillRef idx="0"/>
+          <a:effectRef idx="0"/>
+          <a:fontRef idx="minor"/>
+        </p:style>
+        <p:txBody>
+          <a:bodyPr wrap="none" lIns="90000" rIns="90000" tIns="45000" bIns="45000" anchor="t">
+            <a:spAutoFit/>
+          </a:bodyPr>
+          <a:p>
+            <a:pPr>
+              <a:lnSpc>
+                <a:spcPct val="100000"/>
+              </a:lnSpc>
+            </a:pPr>
             <a:r>
               <a:rPr b="0" lang="en-US" sz="1800" spc="-1" strike="noStrike">
                 <a:solidFill>
@@ -3872,7 +3913,109 @@
                 <a:latin typeface="Calibri"/>
                 <a:ea typeface="DejaVu Sans"/>
               </a:rPr>
-              <a:t> entry</a:t>
+              <a:t>0</a:t>
+            </a:r>
+            <a:endParaRPr b="0" lang="en-US" sz="1800" spc="-1" strike="noStrike">
+              <a:latin typeface="Arial"/>
+            </a:endParaRPr>
+          </a:p>
+        </p:txBody>
+      </p:sp>
+      <p:sp>
+        <p:nvSpPr>
+          <p:cNvPr id="79" name="TextBox 3"/>
+          <p:cNvSpPr/>
+          <p:nvPr/>
+        </p:nvSpPr>
+        <p:spPr>
+          <a:xfrm>
+            <a:off x="8863200" y="3714480"/>
+            <a:ext cx="295920" cy="363960"/>
+          </a:xfrm>
+          <a:prstGeom prst="rect">
+            <a:avLst/>
+          </a:prstGeom>
+          <a:noFill/>
+          <a:ln w="0">
+            <a:noFill/>
+          </a:ln>
+        </p:spPr>
+        <p:style>
+          <a:lnRef idx="0"/>
+          <a:fillRef idx="0"/>
+          <a:effectRef idx="0"/>
+          <a:fontRef idx="minor"/>
+        </p:style>
+        <p:txBody>
+          <a:bodyPr wrap="none" lIns="90000" rIns="90000" tIns="45000" bIns="45000" anchor="t">
+            <a:spAutoFit/>
+          </a:bodyPr>
+          <a:p>
+            <a:pPr>
+              <a:lnSpc>
+                <a:spcPct val="100000"/>
+              </a:lnSpc>
+            </a:pPr>
+            <a:r>
+              <a:rPr b="0" lang="en-US" sz="1800" spc="-1" strike="noStrike">
+                <a:solidFill>
+                  <a:srgbClr val="000000"/>
+                </a:solidFill>
+                <a:latin typeface="Calibri"/>
+                <a:ea typeface="DejaVu Sans"/>
+              </a:rPr>
+              <a:t>0</a:t>
+            </a:r>
+            <a:endParaRPr b="0" lang="en-US" sz="1800" spc="-1" strike="noStrike">
+              <a:latin typeface="Arial"/>
+            </a:endParaRPr>
+          </a:p>
+        </p:txBody>
+      </p:sp>
+      <p:sp>
+        <p:nvSpPr>
+          <p:cNvPr id="80" name="TextBox 4"/>
+          <p:cNvSpPr/>
+          <p:nvPr/>
+        </p:nvSpPr>
+        <p:spPr>
+          <a:xfrm>
+            <a:off x="8863200" y="4146480"/>
+            <a:ext cx="295920" cy="363960"/>
+          </a:xfrm>
+          <a:prstGeom prst="rect">
+            <a:avLst/>
+          </a:prstGeom>
+          <a:noFill/>
+          <a:ln w="0">
+            <a:noFill/>
+          </a:ln>
+        </p:spPr>
+        <p:style>
+          <a:lnRef idx="0"/>
+          <a:fillRef idx="0"/>
+          <a:effectRef idx="0"/>
+          <a:fontRef idx="minor"/>
+        </p:style>
+        <p:txBody>
+          <a:bodyPr wrap="none" lIns="90000" rIns="90000" tIns="45000" bIns="45000" anchor="t">
+            <a:spAutoFit/>
+          </a:bodyPr>
+          <a:p>
+            <a:pPr>
+              <a:lnSpc>
+                <a:spcPct val="100000"/>
+              </a:lnSpc>
+            </a:pPr>
+            <a:r>
+              <a:rPr b="0" lang="en-US" sz="1800" spc="-1" strike="noStrike">
+                <a:solidFill>
+                  <a:srgbClr val="000000"/>
+                </a:solidFill>
+                <a:latin typeface="Calibri"/>
+                <a:ea typeface="DejaVu Sans"/>
+              </a:rPr>
+              <a:t>0</a:t>
             </a:r>
             <a:endParaRPr b="0" lang="en-US" sz="1800" spc="-1" strike="noStrike">
               <a:latin typeface="Arial"/>

--- a/dfr_metadata/book_chapter/fig/fat2.pptx
+++ b/dfr_metadata/book_chapter/fig/fat2.pptx
@@ -7,7 +7,7 @@
   <p:sldIdLst>
     <p:sldId id="256" r:id="rId3"/>
   </p:sldIdLst>
-  <p:sldSz cx="12192000" cy="6858000"/>
+  <p:sldSz cx="9144000" cy="6858000"/>
   <p:notesSz cx="7772400" cy="10058400"/>
 </p:presentation>
 </file>
@@ -63,8 +63,8 @@
         </p:nvSpPr>
         <p:spPr>
           <a:xfrm>
-            <a:off x="609480" y="273600"/>
-            <a:ext cx="10972440" cy="1144800"/>
+            <a:off x="457200" y="273600"/>
+            <a:ext cx="8229240" cy="1144800"/>
           </a:xfrm>
           <a:prstGeom prst="rect">
             <a:avLst/>
@@ -98,8 +98,8 @@
         </p:nvSpPr>
         <p:spPr>
           <a:xfrm>
-            <a:off x="609480" y="1604520"/>
-            <a:ext cx="10972440" cy="1896840"/>
+            <a:off x="457200" y="1604520"/>
+            <a:ext cx="8229240" cy="1896840"/>
           </a:xfrm>
           <a:prstGeom prst="rect">
             <a:avLst/>
@@ -132,8 +132,8 @@
         </p:nvSpPr>
         <p:spPr>
           <a:xfrm>
-            <a:off x="609480" y="3682080"/>
-            <a:ext cx="10972440" cy="1896840"/>
+            <a:off x="457200" y="3682080"/>
+            <a:ext cx="8229240" cy="1896840"/>
           </a:xfrm>
           <a:prstGeom prst="rect">
             <a:avLst/>
@@ -188,8 +188,8 @@
         </p:nvSpPr>
         <p:spPr>
           <a:xfrm>
-            <a:off x="609480" y="273600"/>
-            <a:ext cx="10972440" cy="1144800"/>
+            <a:off x="457200" y="273600"/>
+            <a:ext cx="8229240" cy="1144800"/>
           </a:xfrm>
           <a:prstGeom prst="rect">
             <a:avLst/>
@@ -223,8 +223,8 @@
         </p:nvSpPr>
         <p:spPr>
           <a:xfrm>
-            <a:off x="609480" y="1604520"/>
-            <a:ext cx="5354280" cy="1896840"/>
+            <a:off x="457200" y="1604520"/>
+            <a:ext cx="4015800" cy="1896840"/>
           </a:xfrm>
           <a:prstGeom prst="rect">
             <a:avLst/>
@@ -257,8 +257,8 @@
         </p:nvSpPr>
         <p:spPr>
           <a:xfrm>
-            <a:off x="6231960" y="1604520"/>
-            <a:ext cx="5354280" cy="1896840"/>
+            <a:off x="4674240" y="1604520"/>
+            <a:ext cx="4015800" cy="1896840"/>
           </a:xfrm>
           <a:prstGeom prst="rect">
             <a:avLst/>
@@ -291,8 +291,8 @@
         </p:nvSpPr>
         <p:spPr>
           <a:xfrm>
-            <a:off x="609480" y="3682080"/>
-            <a:ext cx="5354280" cy="1896840"/>
+            <a:off x="457200" y="3682080"/>
+            <a:ext cx="4015800" cy="1896840"/>
           </a:xfrm>
           <a:prstGeom prst="rect">
             <a:avLst/>
@@ -325,8 +325,8 @@
         </p:nvSpPr>
         <p:spPr>
           <a:xfrm>
-            <a:off x="6231960" y="3682080"/>
-            <a:ext cx="5354280" cy="1896840"/>
+            <a:off x="4674240" y="3682080"/>
+            <a:ext cx="4015800" cy="1896840"/>
           </a:xfrm>
           <a:prstGeom prst="rect">
             <a:avLst/>
@@ -381,8 +381,8 @@
         </p:nvSpPr>
         <p:spPr>
           <a:xfrm>
-            <a:off x="609480" y="273600"/>
-            <a:ext cx="10972440" cy="1144800"/>
+            <a:off x="457200" y="273600"/>
+            <a:ext cx="8229240" cy="1144800"/>
           </a:xfrm>
           <a:prstGeom prst="rect">
             <a:avLst/>
@@ -416,8 +416,8 @@
         </p:nvSpPr>
         <p:spPr>
           <a:xfrm>
-            <a:off x="609480" y="1604520"/>
-            <a:ext cx="3533040" cy="1896840"/>
+            <a:off x="457200" y="1604520"/>
+            <a:ext cx="2649600" cy="1896840"/>
           </a:xfrm>
           <a:prstGeom prst="rect">
             <a:avLst/>
@@ -450,8 +450,8 @@
         </p:nvSpPr>
         <p:spPr>
           <a:xfrm>
-            <a:off x="4319640" y="1604520"/>
-            <a:ext cx="3533040" cy="1896840"/>
+            <a:off x="3239640" y="1604520"/>
+            <a:ext cx="2649600" cy="1896840"/>
           </a:xfrm>
           <a:prstGeom prst="rect">
             <a:avLst/>
@@ -484,8 +484,8 @@
         </p:nvSpPr>
         <p:spPr>
           <a:xfrm>
-            <a:off x="8029800" y="1604520"/>
-            <a:ext cx="3533040" cy="1896840"/>
+            <a:off x="6022080" y="1604520"/>
+            <a:ext cx="2649600" cy="1896840"/>
           </a:xfrm>
           <a:prstGeom prst="rect">
             <a:avLst/>
@@ -518,8 +518,8 @@
         </p:nvSpPr>
         <p:spPr>
           <a:xfrm>
-            <a:off x="609480" y="3682080"/>
-            <a:ext cx="3533040" cy="1896840"/>
+            <a:off x="457200" y="3682080"/>
+            <a:ext cx="2649600" cy="1896840"/>
           </a:xfrm>
           <a:prstGeom prst="rect">
             <a:avLst/>
@@ -552,8 +552,8 @@
         </p:nvSpPr>
         <p:spPr>
           <a:xfrm>
-            <a:off x="4319640" y="3682080"/>
-            <a:ext cx="3533040" cy="1896840"/>
+            <a:off x="3239640" y="3682080"/>
+            <a:ext cx="2649600" cy="1896840"/>
           </a:xfrm>
           <a:prstGeom prst="rect">
             <a:avLst/>
@@ -586,8 +586,8 @@
         </p:nvSpPr>
         <p:spPr>
           <a:xfrm>
-            <a:off x="8029800" y="3682080"/>
-            <a:ext cx="3533040" cy="1896840"/>
+            <a:off x="6022080" y="3682080"/>
+            <a:ext cx="2649600" cy="1896840"/>
           </a:xfrm>
           <a:prstGeom prst="rect">
             <a:avLst/>
@@ -642,8 +642,8 @@
         </p:nvSpPr>
         <p:spPr>
           <a:xfrm>
-            <a:off x="609480" y="273600"/>
-            <a:ext cx="10972440" cy="1144800"/>
+            <a:off x="457200" y="273600"/>
+            <a:ext cx="8229240" cy="1144800"/>
           </a:xfrm>
           <a:prstGeom prst="rect">
             <a:avLst/>
@@ -677,8 +677,8 @@
         </p:nvSpPr>
         <p:spPr>
           <a:xfrm>
-            <a:off x="609480" y="1604520"/>
-            <a:ext cx="10972440" cy="3977280"/>
+            <a:off x="457200" y="1604520"/>
+            <a:ext cx="8229240" cy="3977280"/>
           </a:xfrm>
           <a:prstGeom prst="rect">
             <a:avLst/>
@@ -734,8 +734,8 @@
         </p:nvSpPr>
         <p:spPr>
           <a:xfrm>
-            <a:off x="609480" y="273600"/>
-            <a:ext cx="10972440" cy="1144800"/>
+            <a:off x="457200" y="273600"/>
+            <a:ext cx="8229240" cy="1144800"/>
           </a:xfrm>
           <a:prstGeom prst="rect">
             <a:avLst/>
@@ -769,8 +769,8 @@
         </p:nvSpPr>
         <p:spPr>
           <a:xfrm>
-            <a:off x="609480" y="1604520"/>
-            <a:ext cx="10972440" cy="3977280"/>
+            <a:off x="457200" y="1604520"/>
+            <a:ext cx="8229240" cy="3977280"/>
           </a:xfrm>
           <a:prstGeom prst="rect">
             <a:avLst/>
@@ -825,8 +825,8 @@
         </p:nvSpPr>
         <p:spPr>
           <a:xfrm>
-            <a:off x="609480" y="273600"/>
-            <a:ext cx="10972440" cy="1144800"/>
+            <a:off x="457200" y="273600"/>
+            <a:ext cx="8229240" cy="1144800"/>
           </a:xfrm>
           <a:prstGeom prst="rect">
             <a:avLst/>
@@ -860,8 +860,8 @@
         </p:nvSpPr>
         <p:spPr>
           <a:xfrm>
-            <a:off x="609480" y="1604520"/>
-            <a:ext cx="5354280" cy="3977280"/>
+            <a:off x="457200" y="1604520"/>
+            <a:ext cx="4015800" cy="3977280"/>
           </a:xfrm>
           <a:prstGeom prst="rect">
             <a:avLst/>
@@ -894,8 +894,8 @@
         </p:nvSpPr>
         <p:spPr>
           <a:xfrm>
-            <a:off x="6231960" y="1604520"/>
-            <a:ext cx="5354280" cy="3977280"/>
+            <a:off x="4674240" y="1604520"/>
+            <a:ext cx="4015800" cy="3977280"/>
           </a:xfrm>
           <a:prstGeom prst="rect">
             <a:avLst/>
@@ -950,8 +950,8 @@
         </p:nvSpPr>
         <p:spPr>
           <a:xfrm>
-            <a:off x="609480" y="273600"/>
-            <a:ext cx="10972440" cy="1144800"/>
+            <a:off x="457200" y="273600"/>
+            <a:ext cx="8229240" cy="1144800"/>
           </a:xfrm>
           <a:prstGeom prst="rect">
             <a:avLst/>
@@ -1007,8 +1007,8 @@
         </p:nvSpPr>
         <p:spPr>
           <a:xfrm>
-            <a:off x="609480" y="273600"/>
-            <a:ext cx="10972440" cy="5307840"/>
+            <a:off x="457200" y="273600"/>
+            <a:ext cx="8229240" cy="5307840"/>
           </a:xfrm>
           <a:prstGeom prst="rect">
             <a:avLst/>
@@ -1064,8 +1064,8 @@
         </p:nvSpPr>
         <p:spPr>
           <a:xfrm>
-            <a:off x="609480" y="273600"/>
-            <a:ext cx="10972440" cy="1144800"/>
+            <a:off x="457200" y="273600"/>
+            <a:ext cx="8229240" cy="1144800"/>
           </a:xfrm>
           <a:prstGeom prst="rect">
             <a:avLst/>
@@ -1099,8 +1099,8 @@
         </p:nvSpPr>
         <p:spPr>
           <a:xfrm>
-            <a:off x="609480" y="1604520"/>
-            <a:ext cx="5354280" cy="1896840"/>
+            <a:off x="457200" y="1604520"/>
+            <a:ext cx="4015800" cy="1896840"/>
           </a:xfrm>
           <a:prstGeom prst="rect">
             <a:avLst/>
@@ -1133,8 +1133,8 @@
         </p:nvSpPr>
         <p:spPr>
           <a:xfrm>
-            <a:off x="6231960" y="1604520"/>
-            <a:ext cx="5354280" cy="3977280"/>
+            <a:off x="4674240" y="1604520"/>
+            <a:ext cx="4015800" cy="3977280"/>
           </a:xfrm>
           <a:prstGeom prst="rect">
             <a:avLst/>
@@ -1167,8 +1167,8 @@
         </p:nvSpPr>
         <p:spPr>
           <a:xfrm>
-            <a:off x="609480" y="3682080"/>
-            <a:ext cx="5354280" cy="1896840"/>
+            <a:off x="457200" y="3682080"/>
+            <a:ext cx="4015800" cy="1896840"/>
           </a:xfrm>
           <a:prstGeom prst="rect">
             <a:avLst/>
@@ -1223,8 +1223,8 @@
         </p:nvSpPr>
         <p:spPr>
           <a:xfrm>
-            <a:off x="609480" y="273600"/>
-            <a:ext cx="10972440" cy="1144800"/>
+            <a:off x="457200" y="273600"/>
+            <a:ext cx="8229240" cy="1144800"/>
           </a:xfrm>
           <a:prstGeom prst="rect">
             <a:avLst/>
@@ -1258,8 +1258,8 @@
         </p:nvSpPr>
         <p:spPr>
           <a:xfrm>
-            <a:off x="609480" y="1604520"/>
-            <a:ext cx="5354280" cy="3977280"/>
+            <a:off x="457200" y="1604520"/>
+            <a:ext cx="4015800" cy="3977280"/>
           </a:xfrm>
           <a:prstGeom prst="rect">
             <a:avLst/>
@@ -1292,8 +1292,8 @@
         </p:nvSpPr>
         <p:spPr>
           <a:xfrm>
-            <a:off x="6231960" y="1604520"/>
-            <a:ext cx="5354280" cy="1896840"/>
+            <a:off x="4674240" y="1604520"/>
+            <a:ext cx="4015800" cy="1896840"/>
           </a:xfrm>
           <a:prstGeom prst="rect">
             <a:avLst/>
@@ -1326,8 +1326,8 @@
         </p:nvSpPr>
         <p:spPr>
           <a:xfrm>
-            <a:off x="6231960" y="3682080"/>
-            <a:ext cx="5354280" cy="1896840"/>
+            <a:off x="4674240" y="3682080"/>
+            <a:ext cx="4015800" cy="1896840"/>
           </a:xfrm>
           <a:prstGeom prst="rect">
             <a:avLst/>
@@ -1382,8 +1382,8 @@
         </p:nvSpPr>
         <p:spPr>
           <a:xfrm>
-            <a:off x="609480" y="273600"/>
-            <a:ext cx="10972440" cy="1144800"/>
+            <a:off x="457200" y="273600"/>
+            <a:ext cx="8229240" cy="1144800"/>
           </a:xfrm>
           <a:prstGeom prst="rect">
             <a:avLst/>
@@ -1417,8 +1417,8 @@
         </p:nvSpPr>
         <p:spPr>
           <a:xfrm>
-            <a:off x="609480" y="1604520"/>
-            <a:ext cx="5354280" cy="1896840"/>
+            <a:off x="457200" y="1604520"/>
+            <a:ext cx="4015800" cy="1896840"/>
           </a:xfrm>
           <a:prstGeom prst="rect">
             <a:avLst/>
@@ -1451,8 +1451,8 @@
         </p:nvSpPr>
         <p:spPr>
           <a:xfrm>
-            <a:off x="6231960" y="1604520"/>
-            <a:ext cx="5354280" cy="1896840"/>
+            <a:off x="4674240" y="1604520"/>
+            <a:ext cx="4015800" cy="1896840"/>
           </a:xfrm>
           <a:prstGeom prst="rect">
             <a:avLst/>
@@ -1485,8 +1485,8 @@
         </p:nvSpPr>
         <p:spPr>
           <a:xfrm>
-            <a:off x="609480" y="3682080"/>
-            <a:ext cx="10972440" cy="1896840"/>
+            <a:off x="457200" y="3682080"/>
+            <a:ext cx="8229240" cy="1896840"/>
           </a:xfrm>
           <a:prstGeom prst="rect">
             <a:avLst/>
@@ -1548,8 +1548,8 @@
         </p:nvSpPr>
         <p:spPr>
           <a:xfrm>
-            <a:off x="609480" y="273600"/>
-            <a:ext cx="10972440" cy="1144800"/>
+            <a:off x="457200" y="273600"/>
+            <a:ext cx="8229240" cy="1144800"/>
           </a:xfrm>
           <a:prstGeom prst="rect">
             <a:avLst/>
@@ -1589,8 +1589,8 @@
         </p:nvSpPr>
         <p:spPr>
           <a:xfrm>
-            <a:off x="609480" y="1604520"/>
-            <a:ext cx="10972440" cy="3977280"/>
+            <a:off x="457200" y="1604520"/>
+            <a:ext cx="8229240" cy="3977280"/>
           </a:xfrm>
           <a:prstGeom prst="rect">
             <a:avLst/>
@@ -1783,6 +1783,13 @@
 <file path=ppt/slides/slide1.xml><?xml version="1.0" encoding="utf-8"?>
 <p:sld xmlns:a="http://schemas.openxmlformats.org/drawingml/2006/main" xmlns:p="http://schemas.openxmlformats.org/presentationml/2006/main" xmlns:r="http://schemas.openxmlformats.org/officeDocument/2006/relationships" xmlns:p14="http://schemas.microsoft.com/office/powerpoint/2010/main" xmlns:p15="http://schemas.microsoft.com/office/powerpoint/2012/main" xmlns:mc="http://schemas.openxmlformats.org/markup-compatibility/2006">
   <p:cSld>
+    <p:bg>
+      <p:bgPr>
+        <a:solidFill>
+          <a:srgbClr val="ffffff"/>
+        </a:solidFill>
+      </p:bgPr>
+    </p:bg>
     <p:spTree>
       <p:nvGrpSpPr>
         <p:cNvPr id="1" name=""/>
@@ -1805,8 +1812,8 @@
         </p:nvSpPr>
         <p:spPr>
           <a:xfrm>
-            <a:off x="3996360" y="1430280"/>
-            <a:ext cx="3584160" cy="770760"/>
+            <a:off x="1690920" y="1622160"/>
+            <a:ext cx="3583800" cy="770400"/>
           </a:xfrm>
           <a:prstGeom prst="rect">
             <a:avLst/>
@@ -1841,8 +1848,8 @@
         </p:nvSpPr>
         <p:spPr>
           <a:xfrm>
-            <a:off x="8563680" y="451800"/>
-            <a:ext cx="886320" cy="5239440"/>
+            <a:off x="6258240" y="643680"/>
+            <a:ext cx="885960" cy="5239080"/>
           </a:xfrm>
           <a:prstGeom prst="rect">
             <a:avLst/>
@@ -1877,7 +1884,7 @@
         </p:nvSpPr>
         <p:spPr>
           <a:xfrm>
-            <a:off x="8550000" y="803160"/>
+            <a:off x="6244560" y="995040"/>
             <a:ext cx="887760" cy="360"/>
           </a:xfrm>
           <a:prstGeom prst="line">
@@ -1910,7 +1917,7 @@
         </p:nvSpPr>
         <p:spPr>
           <a:xfrm>
-            <a:off x="8563320" y="1167480"/>
+            <a:off x="6257880" y="1359360"/>
             <a:ext cx="887760" cy="360"/>
           </a:xfrm>
           <a:prstGeom prst="line">
@@ -1943,7 +1950,7 @@
         </p:nvSpPr>
         <p:spPr>
           <a:xfrm>
-            <a:off x="8563680" y="2375280"/>
+            <a:off x="6258240" y="2567160"/>
             <a:ext cx="887400" cy="360"/>
           </a:xfrm>
           <a:prstGeom prst="line">
@@ -1976,7 +1983,7 @@
         </p:nvSpPr>
         <p:spPr>
           <a:xfrm>
-            <a:off x="8563320" y="2833200"/>
+            <a:off x="6257880" y="3025080"/>
             <a:ext cx="887760" cy="360"/>
           </a:xfrm>
           <a:prstGeom prst="line">
@@ -2009,7 +2016,7 @@
         </p:nvSpPr>
         <p:spPr>
           <a:xfrm>
-            <a:off x="8550000" y="3250080"/>
+            <a:off x="6244560" y="3441960"/>
             <a:ext cx="887760" cy="360"/>
           </a:xfrm>
           <a:prstGeom prst="line">
@@ -2042,7 +2049,7 @@
         </p:nvSpPr>
         <p:spPr>
           <a:xfrm>
-            <a:off x="8563320" y="3687480"/>
+            <a:off x="6257880" y="3879360"/>
             <a:ext cx="887760" cy="360"/>
           </a:xfrm>
           <a:prstGeom prst="line">
@@ -2075,7 +2082,7 @@
         </p:nvSpPr>
         <p:spPr>
           <a:xfrm>
-            <a:off x="8563320" y="4120200"/>
+            <a:off x="6257880" y="4312080"/>
             <a:ext cx="887760" cy="360"/>
           </a:xfrm>
           <a:prstGeom prst="line">
@@ -2108,7 +2115,7 @@
         </p:nvSpPr>
         <p:spPr>
           <a:xfrm>
-            <a:off x="8563320" y="4548960"/>
+            <a:off x="6257880" y="4740840"/>
             <a:ext cx="887760" cy="360"/>
           </a:xfrm>
           <a:prstGeom prst="line">
@@ -2141,8 +2148,8 @@
         </p:nvSpPr>
         <p:spPr>
           <a:xfrm rot="5400000">
-            <a:off x="8825400" y="1872720"/>
-            <a:ext cx="462240" cy="363960"/>
+            <a:off x="6520320" y="2064600"/>
+            <a:ext cx="461880" cy="363960"/>
           </a:xfrm>
           <a:prstGeom prst="rect">
             <a:avLst/>
@@ -2192,8 +2199,8 @@
         </p:nvSpPr>
         <p:spPr>
           <a:xfrm rot="5400000">
-            <a:off x="8906760" y="4887720"/>
-            <a:ext cx="354600" cy="364320"/>
+            <a:off x="6601680" y="5079600"/>
+            <a:ext cx="354240" cy="363960"/>
           </a:xfrm>
           <a:prstGeom prst="rect">
             <a:avLst/>
@@ -2243,8 +2250,8 @@
         </p:nvSpPr>
         <p:spPr>
           <a:xfrm>
-            <a:off x="3280320" y="4343040"/>
-            <a:ext cx="812880" cy="638280"/>
+            <a:off x="974880" y="4534920"/>
+            <a:ext cx="812520" cy="638280"/>
           </a:xfrm>
           <a:prstGeom prst="rect">
             <a:avLst/>
@@ -2324,8 +2331,8 @@
         </p:nvSpPr>
         <p:spPr>
           <a:xfrm>
-            <a:off x="7179840" y="4303800"/>
-            <a:ext cx="803160" cy="638280"/>
+            <a:off x="4874400" y="4495680"/>
+            <a:ext cx="802800" cy="638280"/>
           </a:xfrm>
           <a:prstGeom prst="rect">
             <a:avLst/>
@@ -2405,7 +2412,7 @@
         </p:nvSpPr>
         <p:spPr>
           <a:xfrm>
-            <a:off x="5174280" y="1430280"/>
+            <a:off x="2868840" y="1622160"/>
             <a:ext cx="360" cy="771840"/>
           </a:xfrm>
           <a:prstGeom prst="line">
@@ -2438,7 +2445,7 @@
         </p:nvSpPr>
         <p:spPr>
           <a:xfrm>
-            <a:off x="6247800" y="1430280"/>
+            <a:off x="3942360" y="1622160"/>
             <a:ext cx="360" cy="771840"/>
           </a:xfrm>
           <a:prstGeom prst="line">
@@ -2471,8 +2478,8 @@
         </p:nvSpPr>
         <p:spPr>
           <a:xfrm>
-            <a:off x="6304320" y="1486800"/>
-            <a:ext cx="1279440" cy="638280"/>
+            <a:off x="3998880" y="1678680"/>
+            <a:ext cx="1279080" cy="638280"/>
           </a:xfrm>
           <a:prstGeom prst="rect">
             <a:avLst/>
@@ -2542,8 +2549,8 @@
         </p:nvSpPr>
         <p:spPr>
           <a:xfrm>
-            <a:off x="5267880" y="1504080"/>
-            <a:ext cx="841680" cy="638280"/>
+            <a:off x="2962440" y="1695960"/>
+            <a:ext cx="841320" cy="638280"/>
           </a:xfrm>
           <a:prstGeom prst="rect">
             <a:avLst/>
@@ -2613,8 +2620,8 @@
         </p:nvSpPr>
         <p:spPr>
           <a:xfrm>
-            <a:off x="4062240" y="1530360"/>
-            <a:ext cx="979560" cy="363960"/>
+            <a:off x="1756800" y="1722240"/>
+            <a:ext cx="979200" cy="363960"/>
           </a:xfrm>
           <a:prstGeom prst="rect">
             <a:avLst/>
@@ -2674,7 +2681,7 @@
         </p:nvSpPr>
         <p:spPr>
           <a:xfrm>
-            <a:off x="8560440" y="5844960"/>
+            <a:off x="6255000" y="6036840"/>
             <a:ext cx="1037520" cy="363960"/>
           </a:xfrm>
           <a:prstGeom prst="rect">
@@ -2725,8 +2732,8 @@
         </p:nvSpPr>
         <p:spPr>
           <a:xfrm>
-            <a:off x="9497520" y="2401200"/>
-            <a:ext cx="1185840" cy="363960"/>
+            <a:off x="7192080" y="2593080"/>
+            <a:ext cx="1185480" cy="363960"/>
           </a:xfrm>
           <a:prstGeom prst="rect">
             <a:avLst/>
@@ -2796,7 +2803,7 @@
         </p:nvSpPr>
         <p:spPr>
           <a:xfrm>
-            <a:off x="9507960" y="2831760"/>
+            <a:off x="7202520" y="3023640"/>
             <a:ext cx="1165320" cy="363960"/>
           </a:xfrm>
           <a:prstGeom prst="rect">
@@ -2867,7 +2874,7 @@
         </p:nvSpPr>
         <p:spPr>
           <a:xfrm>
-            <a:off x="9498240" y="3708000"/>
+            <a:off x="7192800" y="3899880"/>
             <a:ext cx="1185480" cy="363960"/>
           </a:xfrm>
           <a:prstGeom prst="rect">
@@ -2938,8 +2945,8 @@
         </p:nvSpPr>
         <p:spPr>
           <a:xfrm>
-            <a:off x="9497520" y="4150800"/>
-            <a:ext cx="1185840" cy="363960"/>
+            <a:off x="7192080" y="4342680"/>
+            <a:ext cx="1185480" cy="363960"/>
           </a:xfrm>
           <a:prstGeom prst="rect">
             <a:avLst/>
@@ -3009,8 +3016,8 @@
         </p:nvSpPr>
         <p:spPr>
           <a:xfrm>
-            <a:off x="8863200" y="2418480"/>
-            <a:ext cx="295920" cy="363960"/>
+            <a:off x="6557760" y="2610360"/>
+            <a:ext cx="295560" cy="363960"/>
           </a:xfrm>
           <a:prstGeom prst="rect">
             <a:avLst/>
@@ -3060,8 +3067,8 @@
         </p:nvSpPr>
         <p:spPr>
           <a:xfrm>
-            <a:off x="4320000" y="991440"/>
-            <a:ext cx="2800440" cy="363960"/>
+            <a:off x="2014560" y="1183320"/>
+            <a:ext cx="2800080" cy="363960"/>
           </a:xfrm>
           <a:prstGeom prst="rect">
             <a:avLst/>
@@ -3131,8 +3138,8 @@
         </p:nvSpPr>
         <p:spPr>
           <a:xfrm rot="5400000">
-            <a:off x="3452040" y="2481480"/>
-            <a:ext cx="1060560" cy="474840"/>
+            <a:off x="1146960" y="2673360"/>
+            <a:ext cx="1060200" cy="474480"/>
           </a:xfrm>
           <a:prstGeom prst="bentConnector3">
             <a:avLst>
@@ -3168,8 +3175,8 @@
         </p:nvSpPr>
         <p:spPr>
           <a:xfrm>
-            <a:off x="3395880" y="3250800"/>
-            <a:ext cx="693720" cy="1002960"/>
+            <a:off x="1090440" y="3442680"/>
+            <a:ext cx="693360" cy="1002600"/>
           </a:xfrm>
           <a:prstGeom prst="roundRect">
             <a:avLst>
@@ -3213,8 +3220,8 @@
         </p:nvSpPr>
         <p:spPr>
           <a:xfrm>
-            <a:off x="4318200" y="3252960"/>
-            <a:ext cx="693720" cy="1002960"/>
+            <a:off x="2012760" y="3444840"/>
+            <a:ext cx="693360" cy="1002600"/>
           </a:xfrm>
           <a:prstGeom prst="roundRect">
             <a:avLst>
@@ -3258,8 +3265,8 @@
         </p:nvSpPr>
         <p:spPr>
           <a:xfrm>
-            <a:off x="7175160" y="3252960"/>
-            <a:ext cx="693720" cy="1002960"/>
+            <a:off x="4869720" y="3444840"/>
+            <a:ext cx="693360" cy="1002600"/>
           </a:xfrm>
           <a:prstGeom prst="roundRect">
             <a:avLst>
@@ -3303,8 +3310,8 @@
         </p:nvSpPr>
         <p:spPr>
           <a:xfrm>
-            <a:off x="4259880" y="4343040"/>
-            <a:ext cx="812880" cy="638280"/>
+            <a:off x="1954440" y="4534920"/>
+            <a:ext cx="812520" cy="638280"/>
           </a:xfrm>
           <a:prstGeom prst="rect">
             <a:avLst/>
@@ -3384,8 +3391,8 @@
         </p:nvSpPr>
         <p:spPr>
           <a:xfrm>
-            <a:off x="5103000" y="5778000"/>
-            <a:ext cx="1094400" cy="363960"/>
+            <a:off x="2797560" y="5969880"/>
+            <a:ext cx="1094040" cy="363960"/>
           </a:xfrm>
           <a:prstGeom prst="rect">
             <a:avLst/>
@@ -3435,8 +3442,8 @@
         </p:nvSpPr>
         <p:spPr>
           <a:xfrm>
-            <a:off x="3219840" y="451800"/>
-            <a:ext cx="4789440" cy="5239440"/>
+            <a:off x="914400" y="643680"/>
+            <a:ext cx="4789080" cy="5239080"/>
           </a:xfrm>
           <a:prstGeom prst="rect">
             <a:avLst/>
@@ -3471,7 +3478,7 @@
         </p:nvSpPr>
         <p:spPr>
           <a:xfrm>
-            <a:off x="8550000" y="1541160"/>
+            <a:off x="6244560" y="1733040"/>
             <a:ext cx="887760" cy="360"/>
           </a:xfrm>
           <a:prstGeom prst="line">
@@ -3504,8 +3511,8 @@
         </p:nvSpPr>
         <p:spPr>
           <a:xfrm>
-            <a:off x="5300640" y="3250080"/>
-            <a:ext cx="693720" cy="1002960"/>
+            <a:off x="2995200" y="3441960"/>
+            <a:ext cx="693360" cy="1002600"/>
           </a:xfrm>
           <a:prstGeom prst="roundRect">
             <a:avLst>
@@ -3549,8 +3556,8 @@
         </p:nvSpPr>
         <p:spPr>
           <a:xfrm>
-            <a:off x="6222960" y="3252240"/>
-            <a:ext cx="693720" cy="1002960"/>
+            <a:off x="3917520" y="3444120"/>
+            <a:ext cx="693360" cy="1002600"/>
           </a:xfrm>
           <a:prstGeom prst="roundRect">
             <a:avLst>
@@ -3594,8 +3601,8 @@
         </p:nvSpPr>
         <p:spPr>
           <a:xfrm>
-            <a:off x="6164640" y="4342320"/>
-            <a:ext cx="812880" cy="638280"/>
+            <a:off x="3859200" y="4534200"/>
+            <a:ext cx="812520" cy="638280"/>
           </a:xfrm>
           <a:prstGeom prst="rect">
             <a:avLst/>
@@ -3675,8 +3682,8 @@
         </p:nvSpPr>
         <p:spPr>
           <a:xfrm>
-            <a:off x="5250240" y="4342320"/>
-            <a:ext cx="812880" cy="638280"/>
+            <a:off x="2944800" y="4534200"/>
+            <a:ext cx="812520" cy="638280"/>
           </a:xfrm>
           <a:prstGeom prst="rect">
             <a:avLst/>
@@ -3756,7 +3763,7 @@
         </p:nvSpPr>
         <p:spPr>
           <a:xfrm>
-            <a:off x="9485280" y="3275280"/>
+            <a:off x="7179840" y="3467160"/>
             <a:ext cx="1211040" cy="363960"/>
           </a:xfrm>
           <a:prstGeom prst="rect">
@@ -3827,8 +3834,8 @@
         </p:nvSpPr>
         <p:spPr>
           <a:xfrm>
-            <a:off x="8863200" y="2850480"/>
-            <a:ext cx="295920" cy="363960"/>
+            <a:off x="6557760" y="3042360"/>
+            <a:ext cx="295560" cy="363960"/>
           </a:xfrm>
           <a:prstGeom prst="rect">
             <a:avLst/>
@@ -3878,8 +3885,8 @@
         </p:nvSpPr>
         <p:spPr>
           <a:xfrm>
-            <a:off x="8863200" y="3282480"/>
-            <a:ext cx="295920" cy="363960"/>
+            <a:off x="6557760" y="3474360"/>
+            <a:ext cx="295560" cy="363960"/>
           </a:xfrm>
           <a:prstGeom prst="rect">
             <a:avLst/>
@@ -3929,8 +3936,8 @@
         </p:nvSpPr>
         <p:spPr>
           <a:xfrm>
-            <a:off x="8863200" y="3714480"/>
-            <a:ext cx="295920" cy="363960"/>
+            <a:off x="6557760" y="3906360"/>
+            <a:ext cx="295560" cy="363960"/>
           </a:xfrm>
           <a:prstGeom prst="rect">
             <a:avLst/>
@@ -3980,8 +3987,8 @@
         </p:nvSpPr>
         <p:spPr>
           <a:xfrm>
-            <a:off x="8863200" y="4146480"/>
-            <a:ext cx="295920" cy="363960"/>
+            <a:off x="6557760" y="4338360"/>
+            <a:ext cx="295560" cy="363960"/>
           </a:xfrm>
           <a:prstGeom prst="rect">
             <a:avLst/>
